--- a/semaine3/CO12AL-W3-VIDEO03-SLIDE01.pptx
+++ b/semaine3/CO12AL-W3-VIDEO03-SLIDE01.pptx
@@ -585,7 +585,7 @@
           </a:ln>
           <a:extLst>
             <a:ext uri="{909E8E84-426E-40dd-AFC4-6F175D3DCCD1}">
-              <a14:hiddenFill xmlns:a14="http://schemas.microsoft.com/office/drawing/2010/main" xmlns="">
+              <a14:hiddenFill xmlns="" xmlns:a14="http://schemas.microsoft.com/office/drawing/2010/main">
                 <a:solidFill>
                   <a:srgbClr val="FFFFFF"/>
                 </a:solidFill>
@@ -1132,6 +1132,13 @@
               <a:rPr lang="fr-FR" baseline="0" dirty="0" smtClean="0"/>
               <a:t>-in. </a:t>
             </a:r>
+            <a:endParaRPr lang="fr-FR" baseline="0" dirty="0" smtClean="0"/>
+          </a:p>
+          <a:p>
+            <a:r>
+              <a:rPr lang="fr-FR" baseline="0" dirty="0" smtClean="0"/>
+              <a:t>-soit le résultat d’un opérateur de test booléen</a:t>
+            </a:r>
             <a:endParaRPr lang="fr-FR" dirty="0"/>
           </a:p>
         </p:txBody>
@@ -4189,14 +4196,14 @@
           </a:ln>
           <a:extLst>
             <a:ext uri="{909E8E84-426E-40dd-AFC4-6F175D3DCCD1}">
-              <a14:hiddenFill xmlns:a14="http://schemas.microsoft.com/office/drawing/2010/main" xmlns="">
+              <a14:hiddenFill xmlns="" xmlns:a14="http://schemas.microsoft.com/office/drawing/2010/main">
                 <a:solidFill>
                   <a:srgbClr val="FFFFFF"/>
                 </a:solidFill>
               </a14:hiddenFill>
             </a:ext>
             <a:ext uri="{91240B29-F687-4f45-9708-019B960494DF}">
-              <a14:hiddenLine xmlns:a14="http://schemas.microsoft.com/office/drawing/2010/main" xmlns="" w="9525">
+              <a14:hiddenLine xmlns="" xmlns:a14="http://schemas.microsoft.com/office/drawing/2010/main" w="9525">
                 <a:solidFill>
                   <a:srgbClr val="000000"/>
                 </a:solidFill>
@@ -4247,14 +4254,14 @@
           </a:ln>
           <a:extLst>
             <a:ext uri="{909E8E84-426E-40dd-AFC4-6F175D3DCCD1}">
-              <a14:hiddenFill xmlns:a14="http://schemas.microsoft.com/office/drawing/2010/main" xmlns="">
+              <a14:hiddenFill xmlns="" xmlns:a14="http://schemas.microsoft.com/office/drawing/2010/main">
                 <a:solidFill>
                   <a:srgbClr val="FFFFFF"/>
                 </a:solidFill>
               </a14:hiddenFill>
             </a:ext>
             <a:ext uri="{91240B29-F687-4f45-9708-019B960494DF}">
-              <a14:hiddenLine xmlns:a14="http://schemas.microsoft.com/office/drawing/2010/main" xmlns="" w="9525">
+              <a14:hiddenLine xmlns="" xmlns:a14="http://schemas.microsoft.com/office/drawing/2010/main" w="9525">
                 <a:solidFill>
                   <a:srgbClr val="000000"/>
                 </a:solidFill>
@@ -5766,7 +5773,24 @@
             <a:pPr lvl="2"/>
             <a:r>
               <a:rPr lang="fr-FR" dirty="0" smtClean="0"/>
-              <a:t>Tout le reste</a:t>
+              <a:t>Tout le </a:t>
+            </a:r>
+            <a:r>
+              <a:rPr lang="fr-FR" dirty="0" smtClean="0"/>
+              <a:t>reste</a:t>
+            </a:r>
+          </a:p>
+          <a:p>
+            <a:pPr marL="0" indent="0">
+              <a:buNone/>
+            </a:pPr>
+            <a:r>
+              <a:rPr lang="fr-FR" dirty="0"/>
+              <a:t>o</a:t>
+            </a:r>
+            <a:r>
+              <a:rPr lang="fr-FR" dirty="0" smtClean="0"/>
+              <a:t>pérateur de test booléen : and, or, not</a:t>
             </a:r>
             <a:endParaRPr lang="fr-FR" dirty="0"/>
           </a:p>
@@ -6313,6 +6337,67 @@
                                           <p:spTgt spid="3">
                                             <p:txEl>
                                               <p:pRg st="8" end="8"/>
+                                            </p:txEl>
+                                          </p:spTgt>
+                                        </p:tgtEl>
+                                      </p:cBhvr>
+                                    </p:animEffect>
+                                  </p:childTnLst>
+                                </p:cTn>
+                              </p:par>
+                            </p:childTnLst>
+                          </p:cTn>
+                        </p:par>
+                      </p:childTnLst>
+                    </p:cTn>
+                  </p:par>
+                  <p:par>
+                    <p:cTn id="47" fill="hold">
+                      <p:stCondLst>
+                        <p:cond delay="indefinite"/>
+                      </p:stCondLst>
+                      <p:childTnLst>
+                        <p:par>
+                          <p:cTn id="48" fill="hold">
+                            <p:stCondLst>
+                              <p:cond delay="0"/>
+                            </p:stCondLst>
+                            <p:childTnLst>
+                              <p:par>
+                                <p:cTn id="49" presetID="10" presetClass="entr" presetSubtype="0" fill="hold" nodeType="clickEffect">
+                                  <p:stCondLst>
+                                    <p:cond delay="0"/>
+                                  </p:stCondLst>
+                                  <p:childTnLst>
+                                    <p:set>
+                                      <p:cBhvr>
+                                        <p:cTn id="50" dur="1" fill="hold">
+                                          <p:stCondLst>
+                                            <p:cond delay="0"/>
+                                          </p:stCondLst>
+                                        </p:cTn>
+                                        <p:tgtEl>
+                                          <p:spTgt spid="3">
+                                            <p:txEl>
+                                              <p:pRg st="9" end="9"/>
+                                            </p:txEl>
+                                          </p:spTgt>
+                                        </p:tgtEl>
+                                        <p:attrNameLst>
+                                          <p:attrName>style.visibility</p:attrName>
+                                        </p:attrNameLst>
+                                      </p:cBhvr>
+                                      <p:to>
+                                        <p:strVal val="visible"/>
+                                      </p:to>
+                                    </p:set>
+                                    <p:animEffect transition="in" filter="fade">
+                                      <p:cBhvr>
+                                        <p:cTn id="51" dur="500"/>
+                                        <p:tgtEl>
+                                          <p:spTgt spid="3">
+                                            <p:txEl>
+                                              <p:pRg st="9" end="9"/>
                                             </p:txEl>
                                           </p:spTgt>
                                         </p:tgtEl>

--- a/semaine3/CO12AL-W3-VIDEO03-SLIDE01.pptx
+++ b/semaine3/CO12AL-W3-VIDEO03-SLIDE01.pptx
@@ -17,7 +17,7 @@
     <p:sldId id="261" r:id="rId5"/>
     <p:sldId id="259" r:id="rId6"/>
   </p:sldIdLst>
-  <p:sldSz cx="9144000" cy="6858000" type="screen4x3"/>
+  <p:sldSz cx="12192000" cy="6858000"/>
   <p:notesSz cx="7099300" cy="10234613"/>
   <p:defaultTextStyle>
     <a:defPPr>
@@ -160,12 +160,12 @@
     </p:ext>
     <p:ext uri="{EFAFB233-063F-42B5-8137-9DF3F51BA10A}">
       <p15:sldGuideLst xmlns:p15="http://schemas.microsoft.com/office/powerpoint/2012/main">
-        <p15:guide id="1" orient="horz" pos="2160">
+        <p15:guide id="1" orient="horz" pos="2160" userDrawn="1">
           <p15:clr>
             <a:srgbClr val="A4A3A4"/>
           </p15:clr>
         </p15:guide>
-        <p15:guide id="2" pos="2880">
+        <p15:guide id="2" pos="3840" userDrawn="1">
           <p15:clr>
             <a:srgbClr val="A4A3A4"/>
           </p15:clr>
@@ -568,8 +568,8 @@
         </p:nvSpPr>
         <p:spPr bwMode="auto">
           <a:xfrm>
-            <a:off x="992188" y="768350"/>
-            <a:ext cx="5116512" cy="3836988"/>
+            <a:off x="141288" y="768350"/>
+            <a:ext cx="6818312" cy="3836988"/>
           </a:xfrm>
           <a:prstGeom prst="rect">
             <a:avLst/>
@@ -585,7 +585,7 @@
           </a:ln>
           <a:extLst>
             <a:ext uri="{909E8E84-426E-40dd-AFC4-6F175D3DCCD1}">
-              <a14:hiddenFill xmlns="" xmlns:a14="http://schemas.microsoft.com/office/drawing/2010/main">
+              <a14:hiddenFill xmlns:a14="http://schemas.microsoft.com/office/drawing/2010/main" xmlns="">
                 <a:solidFill>
                   <a:srgbClr val="FFFFFF"/>
                 </a:solidFill>
@@ -936,7 +936,12 @@
             <p:ph type="sldImg"/>
           </p:nvPr>
         </p:nvSpPr>
-        <p:spPr/>
+        <p:spPr>
+          <a:xfrm>
+            <a:off x="141288" y="768350"/>
+            <a:ext cx="6818312" cy="3836988"/>
+          </a:xfrm>
+        </p:spPr>
       </p:sp>
       <p:sp>
         <p:nvSpPr>
@@ -1068,7 +1073,12 @@
             <p:ph type="sldImg"/>
           </p:nvPr>
         </p:nvSpPr>
-        <p:spPr/>
+        <p:spPr>
+          <a:xfrm>
+            <a:off x="141288" y="768350"/>
+            <a:ext cx="6818312" cy="3836988"/>
+          </a:xfrm>
+        </p:spPr>
       </p:sp>
       <p:sp>
         <p:nvSpPr>
@@ -1132,7 +1142,6 @@
               <a:rPr lang="fr-FR" baseline="0" dirty="0" smtClean="0"/>
               <a:t>-in. </a:t>
             </a:r>
-            <a:endParaRPr lang="fr-FR" baseline="0" dirty="0" smtClean="0"/>
           </a:p>
           <a:p>
             <a:r>
@@ -1212,7 +1221,12 @@
             <p:ph type="sldImg"/>
           </p:nvPr>
         </p:nvSpPr>
-        <p:spPr/>
+        <p:spPr>
+          <a:xfrm>
+            <a:off x="141288" y="768350"/>
+            <a:ext cx="6818312" cy="3836988"/>
+          </a:xfrm>
+        </p:spPr>
       </p:sp>
       <p:sp>
         <p:nvSpPr>
@@ -1318,7 +1332,12 @@
             <p:ph type="sldImg"/>
           </p:nvPr>
         </p:nvSpPr>
-        <p:spPr/>
+        <p:spPr>
+          <a:xfrm>
+            <a:off x="141288" y="768350"/>
+            <a:ext cx="6818312" cy="3836988"/>
+          </a:xfrm>
+        </p:spPr>
       </p:sp>
       <p:sp>
         <p:nvSpPr>
@@ -1430,7 +1449,12 @@
             <p:ph type="sldImg"/>
           </p:nvPr>
         </p:nvSpPr>
-        <p:spPr/>
+        <p:spPr>
+          <a:xfrm>
+            <a:off x="141288" y="768350"/>
+            <a:ext cx="6818312" cy="3836988"/>
+          </a:xfrm>
+        </p:spPr>
       </p:sp>
       <p:sp>
         <p:nvSpPr>
@@ -1534,8 +1558,8 @@
         </p:nvSpPr>
         <p:spPr>
           <a:xfrm>
-            <a:off x="685800" y="1219200"/>
-            <a:ext cx="7772400" cy="1470025"/>
+            <a:off x="914400" y="1219201"/>
+            <a:ext cx="10363200" cy="1470025"/>
           </a:xfrm>
         </p:spPr>
         <p:txBody>
@@ -1565,8 +1589,8 @@
         </p:nvSpPr>
         <p:spPr>
           <a:xfrm>
-            <a:off x="1295400" y="3048000"/>
-            <a:ext cx="6400800" cy="1752600"/>
+            <a:off x="1727200" y="3048000"/>
+            <a:ext cx="8534400" cy="1752600"/>
           </a:xfrm>
         </p:spPr>
         <p:txBody>
@@ -1598,8 +1622,8 @@
         </p:nvSpPr>
         <p:spPr>
           <a:xfrm>
-            <a:off x="457200" y="6248400"/>
-            <a:ext cx="2895600" cy="476250"/>
+            <a:off x="609600" y="6248400"/>
+            <a:ext cx="3860800" cy="476250"/>
           </a:xfrm>
         </p:spPr>
         <p:txBody>
@@ -1637,8 +1661,8 @@
         </p:nvSpPr>
         <p:spPr>
           <a:xfrm>
-            <a:off x="6553200" y="6245225"/>
-            <a:ext cx="2133600" cy="476250"/>
+            <a:off x="8737600" y="6245225"/>
+            <a:ext cx="2844800" cy="476250"/>
           </a:xfrm>
         </p:spPr>
         <p:txBody>
@@ -1881,8 +1905,8 @@
         </p:nvSpPr>
         <p:spPr>
           <a:xfrm>
-            <a:off x="6629400" y="274638"/>
-            <a:ext cx="2057400" cy="5851525"/>
+            <a:off x="8839200" y="274639"/>
+            <a:ext cx="2743200" cy="5851525"/>
           </a:xfrm>
         </p:spPr>
         <p:txBody>
@@ -1909,8 +1933,8 @@
         </p:nvSpPr>
         <p:spPr>
           <a:xfrm>
-            <a:off x="457200" y="274638"/>
-            <a:ext cx="6019800" cy="5851525"/>
+            <a:off x="609600" y="274639"/>
+            <a:ext cx="8026400" cy="5851525"/>
           </a:xfrm>
         </p:spPr>
         <p:txBody>
@@ -2063,8 +2087,8 @@
         </p:nvSpPr>
         <p:spPr>
           <a:xfrm>
-            <a:off x="457200" y="274638"/>
-            <a:ext cx="8229600" cy="1143000"/>
+            <a:off x="609600" y="274638"/>
+            <a:ext cx="10972800" cy="1143000"/>
           </a:xfrm>
         </p:spPr>
         <p:txBody>
@@ -2091,8 +2115,8 @@
         </p:nvSpPr>
         <p:spPr>
           <a:xfrm>
-            <a:off x="457200" y="1600200"/>
-            <a:ext cx="4038600" cy="4525963"/>
+            <a:off x="609600" y="1600201"/>
+            <a:ext cx="5384800" cy="4525963"/>
           </a:xfrm>
         </p:spPr>
         <p:txBody>
@@ -2148,8 +2172,8 @@
         </p:nvSpPr>
         <p:spPr>
           <a:xfrm>
-            <a:off x="4648200" y="1600200"/>
-            <a:ext cx="4038600" cy="4525963"/>
+            <a:off x="6197600" y="1600201"/>
+            <a:ext cx="5384800" cy="4525963"/>
           </a:xfrm>
         </p:spPr>
         <p:txBody>
@@ -2481,8 +2505,8 @@
         </p:nvSpPr>
         <p:spPr>
           <a:xfrm>
-            <a:off x="722313" y="4406900"/>
-            <a:ext cx="7772400" cy="1362075"/>
+            <a:off x="963084" y="4406901"/>
+            <a:ext cx="10363200" cy="1362075"/>
           </a:xfrm>
         </p:spPr>
         <p:txBody>
@@ -2513,8 +2537,8 @@
         </p:nvSpPr>
         <p:spPr>
           <a:xfrm>
-            <a:off x="722313" y="2906713"/>
-            <a:ext cx="7772400" cy="1500187"/>
+            <a:off x="963084" y="2906713"/>
+            <a:ext cx="10363200" cy="1500187"/>
           </a:xfrm>
         </p:spPr>
         <p:txBody>
@@ -2705,8 +2729,8 @@
         </p:nvSpPr>
         <p:spPr>
           <a:xfrm>
-            <a:off x="457200" y="1600200"/>
-            <a:ext cx="4038600" cy="4525963"/>
+            <a:off x="609600" y="1600201"/>
+            <a:ext cx="5384800" cy="4525963"/>
           </a:xfrm>
         </p:spPr>
         <p:txBody>
@@ -2790,8 +2814,8 @@
         </p:nvSpPr>
         <p:spPr>
           <a:xfrm>
-            <a:off x="4648200" y="1600200"/>
-            <a:ext cx="4038600" cy="4525963"/>
+            <a:off x="6197600" y="1600201"/>
+            <a:ext cx="5384800" cy="4525963"/>
           </a:xfrm>
         </p:spPr>
         <p:txBody>
@@ -3006,8 +3030,8 @@
         </p:nvSpPr>
         <p:spPr>
           <a:xfrm>
-            <a:off x="457200" y="1535113"/>
-            <a:ext cx="4040188" cy="639762"/>
+            <a:off x="609600" y="1535113"/>
+            <a:ext cx="5386917" cy="639762"/>
           </a:xfrm>
         </p:spPr>
         <p:txBody>
@@ -3071,8 +3095,8 @@
         </p:nvSpPr>
         <p:spPr>
           <a:xfrm>
-            <a:off x="457200" y="2174875"/>
-            <a:ext cx="4040188" cy="3951288"/>
+            <a:off x="609600" y="2174875"/>
+            <a:ext cx="5386917" cy="3951288"/>
           </a:xfrm>
         </p:spPr>
         <p:txBody>
@@ -3156,8 +3180,8 @@
         </p:nvSpPr>
         <p:spPr>
           <a:xfrm>
-            <a:off x="4645025" y="1535113"/>
-            <a:ext cx="4041775" cy="639762"/>
+            <a:off x="6193368" y="1535113"/>
+            <a:ext cx="5389033" cy="639762"/>
           </a:xfrm>
         </p:spPr>
         <p:txBody>
@@ -3221,8 +3245,8 @@
         </p:nvSpPr>
         <p:spPr>
           <a:xfrm>
-            <a:off x="4645025" y="2174875"/>
-            <a:ext cx="4041775" cy="3951288"/>
+            <a:off x="6193368" y="2174875"/>
+            <a:ext cx="5389033" cy="3951288"/>
           </a:xfrm>
         </p:spPr>
         <p:txBody>
@@ -3641,8 +3665,8 @@
         </p:nvSpPr>
         <p:spPr>
           <a:xfrm>
-            <a:off x="457200" y="273050"/>
-            <a:ext cx="3008313" cy="1162050"/>
+            <a:off x="609601" y="273050"/>
+            <a:ext cx="4011084" cy="1162050"/>
           </a:xfrm>
         </p:spPr>
         <p:txBody>
@@ -3673,8 +3697,8 @@
         </p:nvSpPr>
         <p:spPr>
           <a:xfrm>
-            <a:off x="3575050" y="273050"/>
-            <a:ext cx="5111750" cy="5853113"/>
+            <a:off x="4766733" y="273051"/>
+            <a:ext cx="6815667" cy="5853113"/>
           </a:xfrm>
         </p:spPr>
         <p:txBody>
@@ -3758,8 +3782,8 @@
         </p:nvSpPr>
         <p:spPr>
           <a:xfrm>
-            <a:off x="457200" y="1435100"/>
-            <a:ext cx="3008313" cy="4691063"/>
+            <a:off x="609601" y="1435101"/>
+            <a:ext cx="4011084" cy="4691063"/>
           </a:xfrm>
         </p:spPr>
         <p:txBody>
@@ -3920,8 +3944,8 @@
         </p:nvSpPr>
         <p:spPr>
           <a:xfrm>
-            <a:off x="1792288" y="4800600"/>
-            <a:ext cx="5486400" cy="566738"/>
+            <a:off x="2389717" y="4800600"/>
+            <a:ext cx="7315200" cy="566738"/>
           </a:xfrm>
         </p:spPr>
         <p:txBody>
@@ -3952,8 +3976,8 @@
         </p:nvSpPr>
         <p:spPr>
           <a:xfrm>
-            <a:off x="1792288" y="612775"/>
-            <a:ext cx="5486400" cy="4114800"/>
+            <a:off x="2389717" y="612775"/>
+            <a:ext cx="7315200" cy="4114800"/>
           </a:xfrm>
         </p:spPr>
         <p:txBody>
@@ -4014,8 +4038,8 @@
         </p:nvSpPr>
         <p:spPr>
           <a:xfrm>
-            <a:off x="1792288" y="5367338"/>
-            <a:ext cx="5486400" cy="804862"/>
+            <a:off x="2389717" y="5367338"/>
+            <a:ext cx="7315200" cy="804862"/>
           </a:xfrm>
         </p:spPr>
         <p:txBody>
@@ -4184,8 +4208,8 @@
         </p:nvSpPr>
         <p:spPr bwMode="auto">
           <a:xfrm>
-            <a:off x="457200" y="274638"/>
-            <a:ext cx="8229600" cy="1143000"/>
+            <a:off x="609600" y="274638"/>
+            <a:ext cx="10972800" cy="1143000"/>
           </a:xfrm>
           <a:prstGeom prst="rect">
             <a:avLst/>
@@ -4196,14 +4220,14 @@
           </a:ln>
           <a:extLst>
             <a:ext uri="{909E8E84-426E-40dd-AFC4-6F175D3DCCD1}">
-              <a14:hiddenFill xmlns="" xmlns:a14="http://schemas.microsoft.com/office/drawing/2010/main">
+              <a14:hiddenFill xmlns:a14="http://schemas.microsoft.com/office/drawing/2010/main" xmlns="">
                 <a:solidFill>
                   <a:srgbClr val="FFFFFF"/>
                 </a:solidFill>
               </a14:hiddenFill>
             </a:ext>
             <a:ext uri="{91240B29-F687-4f45-9708-019B960494DF}">
-              <a14:hiddenLine xmlns="" xmlns:a14="http://schemas.microsoft.com/office/drawing/2010/main" w="9525">
+              <a14:hiddenLine xmlns:a14="http://schemas.microsoft.com/office/drawing/2010/main" xmlns="" w="9525">
                 <a:solidFill>
                   <a:srgbClr val="000000"/>
                 </a:solidFill>
@@ -4242,8 +4266,8 @@
         </p:nvSpPr>
         <p:spPr bwMode="auto">
           <a:xfrm>
-            <a:off x="457200" y="1600200"/>
-            <a:ext cx="8229600" cy="4525963"/>
+            <a:off x="609600" y="1600201"/>
+            <a:ext cx="10972800" cy="4525963"/>
           </a:xfrm>
           <a:prstGeom prst="rect">
             <a:avLst/>
@@ -4254,14 +4278,14 @@
           </a:ln>
           <a:extLst>
             <a:ext uri="{909E8E84-426E-40dd-AFC4-6F175D3DCCD1}">
-              <a14:hiddenFill xmlns="" xmlns:a14="http://schemas.microsoft.com/office/drawing/2010/main">
+              <a14:hiddenFill xmlns:a14="http://schemas.microsoft.com/office/drawing/2010/main" xmlns="">
                 <a:solidFill>
                   <a:srgbClr val="FFFFFF"/>
                 </a:solidFill>
               </a14:hiddenFill>
             </a:ext>
             <a:ext uri="{91240B29-F687-4f45-9708-019B960494DF}">
-              <a14:hiddenLine xmlns="" xmlns:a14="http://schemas.microsoft.com/office/drawing/2010/main" w="9525">
+              <a14:hiddenLine xmlns:a14="http://schemas.microsoft.com/office/drawing/2010/main" xmlns="" w="9525">
                 <a:solidFill>
                   <a:srgbClr val="000000"/>
                 </a:solidFill>
@@ -4328,8 +4352,8 @@
         </p:nvSpPr>
         <p:spPr bwMode="auto">
           <a:xfrm>
-            <a:off x="0" y="6521450"/>
-            <a:ext cx="3967163" cy="336550"/>
+            <a:off x="1" y="6521450"/>
+            <a:ext cx="5289551" cy="336550"/>
           </a:xfrm>
           <a:prstGeom prst="rect">
             <a:avLst/>
@@ -4387,8 +4411,8 @@
         </p:nvSpPr>
         <p:spPr bwMode="auto">
           <a:xfrm>
-            <a:off x="7772400" y="6248400"/>
-            <a:ext cx="914400" cy="476250"/>
+            <a:off x="10363200" y="6248400"/>
+            <a:ext cx="1219200" cy="476250"/>
           </a:xfrm>
           <a:prstGeom prst="rect">
             <a:avLst/>
@@ -4866,7 +4890,7 @@
         </p:nvSpPr>
         <p:spPr>
           <a:xfrm>
-            <a:off x="457199" y="814187"/>
+            <a:off x="1011380" y="370841"/>
             <a:ext cx="8229600" cy="5336454"/>
           </a:xfrm>
         </p:spPr>
@@ -4878,13 +4902,13 @@
               <a:buNone/>
             </a:pPr>
             <a:r>
-              <a:rPr lang="en-US" dirty="0" smtClean="0">
+              <a:rPr lang="en-US" sz="3600" dirty="0" smtClean="0">
                 <a:latin typeface="Courier New" panose="02070309020205020404" pitchFamily="49" charset="0"/>
                 <a:cs typeface="Courier New" panose="02070309020205020404" pitchFamily="49" charset="0"/>
               </a:rPr>
               <a:t>if test1:</a:t>
             </a:r>
-            <a:endParaRPr lang="en-US" dirty="0">
+            <a:endParaRPr lang="en-US" sz="3600" dirty="0">
               <a:latin typeface="Courier New" panose="02070309020205020404" pitchFamily="49" charset="0"/>
               <a:cs typeface="Courier New" panose="02070309020205020404" pitchFamily="49" charset="0"/>
             </a:endParaRPr>
@@ -4894,28 +4918,28 @@
               <a:buNone/>
             </a:pPr>
             <a:r>
-              <a:rPr lang="en-US" dirty="0">
+              <a:rPr lang="en-US" sz="3600" dirty="0">
                 <a:latin typeface="Courier New" panose="02070309020205020404" pitchFamily="49" charset="0"/>
                 <a:cs typeface="Courier New" panose="02070309020205020404" pitchFamily="49" charset="0"/>
               </a:rPr>
               <a:t>    </a:t>
             </a:r>
             <a:r>
-              <a:rPr lang="en-US" dirty="0" smtClean="0">
+              <a:rPr lang="en-US" sz="3600" dirty="0" smtClean="0">
                 <a:latin typeface="Courier New" panose="02070309020205020404" pitchFamily="49" charset="0"/>
                 <a:cs typeface="Courier New" panose="02070309020205020404" pitchFamily="49" charset="0"/>
               </a:rPr>
               <a:t>&lt;bloc </a:t>
             </a:r>
             <a:r>
-              <a:rPr lang="en-US" dirty="0" err="1" smtClean="0">
+              <a:rPr lang="en-US" sz="3600" dirty="0" err="1" smtClean="0">
                 <a:latin typeface="Courier New" panose="02070309020205020404" pitchFamily="49" charset="0"/>
                 <a:cs typeface="Courier New" panose="02070309020205020404" pitchFamily="49" charset="0"/>
               </a:rPr>
               <a:t>d’instructions</a:t>
             </a:r>
             <a:r>
-              <a:rPr lang="en-US" dirty="0" smtClean="0">
+              <a:rPr lang="en-US" sz="3600" dirty="0" smtClean="0">
                 <a:latin typeface="Courier New" panose="02070309020205020404" pitchFamily="49" charset="0"/>
                 <a:cs typeface="Courier New" panose="02070309020205020404" pitchFamily="49" charset="0"/>
               </a:rPr>
@@ -4927,21 +4951,21 @@
               <a:buNone/>
             </a:pPr>
             <a:r>
-              <a:rPr lang="en-US" dirty="0" err="1">
+              <a:rPr lang="en-US" sz="3600" dirty="0" err="1">
                 <a:latin typeface="Courier New" panose="02070309020205020404" pitchFamily="49" charset="0"/>
                 <a:cs typeface="Courier New" panose="02070309020205020404" pitchFamily="49" charset="0"/>
               </a:rPr>
               <a:t>e</a:t>
             </a:r>
             <a:r>
-              <a:rPr lang="en-US" dirty="0" err="1" smtClean="0">
+              <a:rPr lang="en-US" sz="3600" dirty="0" err="1" smtClean="0">
                 <a:latin typeface="Courier New" panose="02070309020205020404" pitchFamily="49" charset="0"/>
                 <a:cs typeface="Courier New" panose="02070309020205020404" pitchFamily="49" charset="0"/>
               </a:rPr>
               <a:t>lif</a:t>
             </a:r>
             <a:r>
-              <a:rPr lang="en-US" dirty="0" smtClean="0">
+              <a:rPr lang="en-US" sz="3600" dirty="0" smtClean="0">
                 <a:latin typeface="Courier New" panose="02070309020205020404" pitchFamily="49" charset="0"/>
                 <a:cs typeface="Courier New" panose="02070309020205020404" pitchFamily="49" charset="0"/>
               </a:rPr>
@@ -4953,41 +4977,41 @@
               <a:buNone/>
             </a:pPr>
             <a:r>
-              <a:rPr lang="en-US" dirty="0">
+              <a:rPr lang="en-US" sz="3600" dirty="0">
                 <a:latin typeface="Courier New" panose="02070309020205020404" pitchFamily="49" charset="0"/>
                 <a:cs typeface="Courier New" panose="02070309020205020404" pitchFamily="49" charset="0"/>
               </a:rPr>
               <a:t> </a:t>
             </a:r>
             <a:r>
-              <a:rPr lang="en-US" dirty="0" smtClean="0">
+              <a:rPr lang="en-US" sz="3600" dirty="0" smtClean="0">
                 <a:latin typeface="Courier New" panose="02070309020205020404" pitchFamily="49" charset="0"/>
                 <a:cs typeface="Courier New" panose="02070309020205020404" pitchFamily="49" charset="0"/>
               </a:rPr>
               <a:t>   &lt;</a:t>
             </a:r>
             <a:r>
-              <a:rPr lang="en-US" dirty="0">
+              <a:rPr lang="en-US" sz="3600" dirty="0">
                 <a:latin typeface="Courier New" panose="02070309020205020404" pitchFamily="49" charset="0"/>
                 <a:cs typeface="Courier New" panose="02070309020205020404" pitchFamily="49" charset="0"/>
               </a:rPr>
               <a:t>bloc </a:t>
             </a:r>
             <a:r>
-              <a:rPr lang="en-US" dirty="0" err="1" smtClean="0">
+              <a:rPr lang="en-US" sz="3600" dirty="0" err="1" smtClean="0">
                 <a:latin typeface="Courier New" panose="02070309020205020404" pitchFamily="49" charset="0"/>
                 <a:cs typeface="Courier New" panose="02070309020205020404" pitchFamily="49" charset="0"/>
               </a:rPr>
               <a:t>d’instructions</a:t>
             </a:r>
             <a:r>
-              <a:rPr lang="en-US" dirty="0" smtClean="0">
+              <a:rPr lang="en-US" sz="3600" dirty="0" smtClean="0">
                 <a:latin typeface="Courier New" panose="02070309020205020404" pitchFamily="49" charset="0"/>
                 <a:cs typeface="Courier New" panose="02070309020205020404" pitchFamily="49" charset="0"/>
               </a:rPr>
               <a:t> 2&gt;</a:t>
             </a:r>
-            <a:endParaRPr lang="en-US" dirty="0">
+            <a:endParaRPr lang="en-US" sz="3600" dirty="0">
               <a:latin typeface="Courier New" panose="02070309020205020404" pitchFamily="49" charset="0"/>
               <a:cs typeface="Courier New" panose="02070309020205020404" pitchFamily="49" charset="0"/>
             </a:endParaRPr>
@@ -4997,27 +5021,27 @@
               <a:buNone/>
             </a:pPr>
             <a:r>
-              <a:rPr lang="en-US" dirty="0" err="1">
+              <a:rPr lang="en-US" sz="3600" dirty="0" err="1">
                 <a:latin typeface="Courier New" panose="02070309020205020404" pitchFamily="49" charset="0"/>
                 <a:cs typeface="Courier New" panose="02070309020205020404" pitchFamily="49" charset="0"/>
               </a:rPr>
               <a:t>elif</a:t>
             </a:r>
             <a:r>
-              <a:rPr lang="en-US" dirty="0">
+              <a:rPr lang="en-US" sz="3600" dirty="0">
                 <a:latin typeface="Courier New" panose="02070309020205020404" pitchFamily="49" charset="0"/>
                 <a:cs typeface="Courier New" panose="02070309020205020404" pitchFamily="49" charset="0"/>
               </a:rPr>
               <a:t> </a:t>
             </a:r>
             <a:r>
-              <a:rPr lang="en-US" dirty="0" smtClean="0">
+              <a:rPr lang="en-US" sz="3600" dirty="0" smtClean="0">
                 <a:latin typeface="Courier New" panose="02070309020205020404" pitchFamily="49" charset="0"/>
                 <a:cs typeface="Courier New" panose="02070309020205020404" pitchFamily="49" charset="0"/>
               </a:rPr>
               <a:t>test3:</a:t>
             </a:r>
-            <a:endParaRPr lang="en-US" dirty="0">
+            <a:endParaRPr lang="en-US" sz="3600" dirty="0">
               <a:latin typeface="Courier New" panose="02070309020205020404" pitchFamily="49" charset="0"/>
               <a:cs typeface="Courier New" panose="02070309020205020404" pitchFamily="49" charset="0"/>
             </a:endParaRPr>
@@ -5027,34 +5051,34 @@
               <a:buNone/>
             </a:pPr>
             <a:r>
-              <a:rPr lang="en-US" dirty="0">
+              <a:rPr lang="en-US" sz="3600" dirty="0">
                 <a:latin typeface="Courier New" panose="02070309020205020404" pitchFamily="49" charset="0"/>
                 <a:cs typeface="Courier New" panose="02070309020205020404" pitchFamily="49" charset="0"/>
               </a:rPr>
               <a:t>    &lt;bloc </a:t>
             </a:r>
             <a:r>
-              <a:rPr lang="en-US" dirty="0" err="1">
+              <a:rPr lang="en-US" sz="3600" dirty="0" err="1">
                 <a:latin typeface="Courier New" panose="02070309020205020404" pitchFamily="49" charset="0"/>
                 <a:cs typeface="Courier New" panose="02070309020205020404" pitchFamily="49" charset="0"/>
               </a:rPr>
               <a:t>d’instructions</a:t>
             </a:r>
             <a:r>
-              <a:rPr lang="en-US" dirty="0">
+              <a:rPr lang="en-US" sz="3600" dirty="0">
                 <a:latin typeface="Courier New" panose="02070309020205020404" pitchFamily="49" charset="0"/>
                 <a:cs typeface="Courier New" panose="02070309020205020404" pitchFamily="49" charset="0"/>
               </a:rPr>
               <a:t> </a:t>
             </a:r>
             <a:r>
-              <a:rPr lang="en-US" dirty="0" smtClean="0">
+              <a:rPr lang="en-US" sz="3600" dirty="0" smtClean="0">
                 <a:latin typeface="Courier New" panose="02070309020205020404" pitchFamily="49" charset="0"/>
                 <a:cs typeface="Courier New" panose="02070309020205020404" pitchFamily="49" charset="0"/>
               </a:rPr>
               <a:t>3&gt;</a:t>
             </a:r>
-            <a:endParaRPr lang="en-US" dirty="0">
+            <a:endParaRPr lang="en-US" sz="3600" dirty="0">
               <a:latin typeface="Courier New" panose="02070309020205020404" pitchFamily="49" charset="0"/>
               <a:cs typeface="Courier New" panose="02070309020205020404" pitchFamily="49" charset="0"/>
             </a:endParaRPr>
@@ -5064,13 +5088,13 @@
               <a:buNone/>
             </a:pPr>
             <a:r>
-              <a:rPr lang="en-US" dirty="0" smtClean="0">
+              <a:rPr lang="en-US" sz="3600" dirty="0" smtClean="0">
                 <a:latin typeface="Courier New" panose="02070309020205020404" pitchFamily="49" charset="0"/>
                 <a:cs typeface="Courier New" panose="02070309020205020404" pitchFamily="49" charset="0"/>
               </a:rPr>
               <a:t>…</a:t>
             </a:r>
-            <a:endParaRPr lang="en-US" dirty="0">
+            <a:endParaRPr lang="en-US" sz="3600" dirty="0">
               <a:latin typeface="Courier New" panose="02070309020205020404" pitchFamily="49" charset="0"/>
               <a:cs typeface="Courier New" panose="02070309020205020404" pitchFamily="49" charset="0"/>
             </a:endParaRPr>
@@ -5080,7 +5104,7 @@
               <a:buNone/>
             </a:pPr>
             <a:r>
-              <a:rPr lang="en-US" dirty="0">
+              <a:rPr lang="en-US" sz="3600" dirty="0">
                 <a:latin typeface="Courier New" panose="02070309020205020404" pitchFamily="49" charset="0"/>
                 <a:cs typeface="Courier New" panose="02070309020205020404" pitchFamily="49" charset="0"/>
               </a:rPr>
@@ -5092,34 +5116,34 @@
               <a:buNone/>
             </a:pPr>
             <a:r>
-              <a:rPr lang="en-US" dirty="0">
+              <a:rPr lang="en-US" sz="3600" dirty="0">
                 <a:latin typeface="Courier New" panose="02070309020205020404" pitchFamily="49" charset="0"/>
                 <a:cs typeface="Courier New" panose="02070309020205020404" pitchFamily="49" charset="0"/>
               </a:rPr>
               <a:t>    &lt;bloc </a:t>
             </a:r>
             <a:r>
-              <a:rPr lang="en-US" dirty="0" err="1">
+              <a:rPr lang="en-US" sz="3600" dirty="0" err="1">
                 <a:latin typeface="Courier New" panose="02070309020205020404" pitchFamily="49" charset="0"/>
                 <a:cs typeface="Courier New" panose="02070309020205020404" pitchFamily="49" charset="0"/>
               </a:rPr>
               <a:t>d’instructions</a:t>
             </a:r>
             <a:r>
-              <a:rPr lang="en-US" dirty="0">
+              <a:rPr lang="en-US" sz="3600" dirty="0">
                 <a:latin typeface="Courier New" panose="02070309020205020404" pitchFamily="49" charset="0"/>
                 <a:cs typeface="Courier New" panose="02070309020205020404" pitchFamily="49" charset="0"/>
               </a:rPr>
               <a:t> </a:t>
             </a:r>
             <a:r>
-              <a:rPr lang="en-US" dirty="0" smtClean="0">
+              <a:rPr lang="en-US" sz="3600" dirty="0" smtClean="0">
                 <a:latin typeface="Courier New" panose="02070309020205020404" pitchFamily="49" charset="0"/>
                 <a:cs typeface="Courier New" panose="02070309020205020404" pitchFamily="49" charset="0"/>
               </a:rPr>
               <a:t>n&gt;</a:t>
             </a:r>
-            <a:endParaRPr lang="en-US" dirty="0">
+            <a:endParaRPr lang="en-US" sz="3600" dirty="0">
               <a:latin typeface="Courier New" panose="02070309020205020404" pitchFamily="49" charset="0"/>
               <a:cs typeface="Courier New" panose="02070309020205020404" pitchFamily="49" charset="0"/>
             </a:endParaRPr>
@@ -5128,7 +5152,7 @@
             <a:pPr marL="0" indent="0">
               <a:buNone/>
             </a:pPr>
-            <a:endParaRPr lang="fr-FR" dirty="0">
+            <a:endParaRPr lang="fr-FR" sz="3600" dirty="0">
               <a:latin typeface="Courier New" panose="02070309020205020404" pitchFamily="49" charset="0"/>
               <a:cs typeface="Courier New" panose="02070309020205020404" pitchFamily="49" charset="0"/>
             </a:endParaRPr>
@@ -5675,8 +5699,8 @@
         </p:nvSpPr>
         <p:spPr>
           <a:xfrm>
-            <a:off x="457200" y="457200"/>
-            <a:ext cx="8229600" cy="5668963"/>
+            <a:off x="595745" y="263238"/>
+            <a:ext cx="9434946" cy="5668963"/>
           </a:xfrm>
         </p:spPr>
         <p:txBody>
@@ -5687,7 +5711,7 @@
               <a:buNone/>
             </a:pPr>
             <a:r>
-              <a:rPr lang="fr-FR" dirty="0" smtClean="0"/>
+              <a:rPr lang="fr-FR" sz="4000" dirty="0" smtClean="0"/>
               <a:t>&gt;	&gt;=	&lt; 	&lt;=	==	!=	…</a:t>
             </a:r>
           </a:p>
@@ -5696,11 +5720,11 @@
               <a:buNone/>
             </a:pPr>
             <a:r>
-              <a:rPr lang="fr-FR" dirty="0"/>
+              <a:rPr lang="fr-FR" sz="4000" dirty="0"/>
               <a:t>r</a:t>
             </a:r>
             <a:r>
-              <a:rPr lang="fr-FR" dirty="0" smtClean="0"/>
+              <a:rPr lang="fr-FR" sz="4000" dirty="0" smtClean="0"/>
               <a:t>etour de fonction</a:t>
             </a:r>
           </a:p>
@@ -5709,75 +5733,71 @@
               <a:buNone/>
             </a:pPr>
             <a:r>
-              <a:rPr lang="fr-FR" dirty="0"/>
+              <a:rPr lang="fr-FR" sz="4000" dirty="0"/>
               <a:t>l</a:t>
             </a:r>
             <a:r>
-              <a:rPr lang="fr-FR" dirty="0" smtClean="0"/>
+              <a:rPr lang="fr-FR" sz="4000" dirty="0" smtClean="0"/>
               <a:t>es types </a:t>
             </a:r>
             <a:r>
-              <a:rPr lang="fr-FR" dirty="0" err="1" smtClean="0"/>
+              <a:rPr lang="fr-FR" sz="4000" dirty="0" err="1" smtClean="0"/>
               <a:t>built</a:t>
             </a:r>
             <a:r>
-              <a:rPr lang="fr-FR" dirty="0" smtClean="0"/>
+              <a:rPr lang="fr-FR" sz="4000" dirty="0" smtClean="0"/>
               <a:t>-in </a:t>
             </a:r>
           </a:p>
           <a:p>
             <a:pPr lvl="1"/>
             <a:r>
-              <a:rPr lang="fr-FR" dirty="0" smtClean="0"/>
+              <a:rPr lang="fr-FR" sz="3600" dirty="0" smtClean="0"/>
               <a:t>False </a:t>
             </a:r>
           </a:p>
           <a:p>
             <a:pPr lvl="2"/>
             <a:r>
-              <a:rPr lang="fr-FR" dirty="0" smtClean="0"/>
+              <a:rPr lang="fr-FR" sz="3200" dirty="0" smtClean="0"/>
               <a:t>0</a:t>
             </a:r>
           </a:p>
           <a:p>
             <a:pPr lvl="2"/>
             <a:r>
-              <a:rPr lang="fr-FR" dirty="0" smtClean="0"/>
+              <a:rPr lang="fr-FR" sz="3200" dirty="0" smtClean="0"/>
               <a:t>les </a:t>
             </a:r>
             <a:r>
-              <a:rPr lang="fr-FR" dirty="0"/>
+              <a:rPr lang="fr-FR" sz="3200" dirty="0"/>
               <a:t>objets vide ([], (), {}, set([]), </a:t>
             </a:r>
             <a:r>
-              <a:rPr lang="fr-FR" dirty="0" smtClean="0"/>
+              <a:rPr lang="fr-FR" sz="3200" dirty="0" smtClean="0"/>
               <a:t>'')</a:t>
             </a:r>
           </a:p>
           <a:p>
             <a:pPr lvl="2"/>
             <a:r>
-              <a:rPr lang="fr-FR" dirty="0" smtClean="0"/>
+              <a:rPr lang="fr-FR" sz="3200" dirty="0" smtClean="0"/>
               <a:t>None</a:t>
             </a:r>
           </a:p>
           <a:p>
             <a:pPr lvl="1"/>
             <a:r>
-              <a:rPr lang="fr-FR" dirty="0" err="1" smtClean="0"/>
+              <a:rPr lang="fr-FR" sz="3600" dirty="0" err="1" smtClean="0"/>
               <a:t>True</a:t>
             </a:r>
-            <a:endParaRPr lang="fr-FR" dirty="0" smtClean="0"/>
+            <a:endParaRPr lang="fr-FR" sz="3600" dirty="0" smtClean="0"/>
           </a:p>
           <a:p>
             <a:pPr lvl="2"/>
             <a:r>
-              <a:rPr lang="fr-FR" dirty="0" smtClean="0"/>
-              <a:t>Tout le </a:t>
-            </a:r>
-            <a:r>
-              <a:rPr lang="fr-FR" dirty="0" smtClean="0"/>
-              <a:t>reste</a:t>
+              <a:rPr lang="fr-FR" sz="3200" dirty="0" smtClean="0"/>
+              <a:t>Tout le reste</a:t>
             </a:r>
           </a:p>
           <a:p>
@@ -5785,14 +5805,14 @@
               <a:buNone/>
             </a:pPr>
             <a:r>
-              <a:rPr lang="fr-FR" dirty="0"/>
+              <a:rPr lang="fr-FR" sz="4000" dirty="0"/>
               <a:t>o</a:t>
             </a:r>
             <a:r>
-              <a:rPr lang="fr-FR" dirty="0" smtClean="0"/>
+              <a:rPr lang="fr-FR" sz="4000" dirty="0" smtClean="0"/>
               <a:t>pérateur de test booléen : and, or, not</a:t>
             </a:r>
-            <a:endParaRPr lang="fr-FR" dirty="0"/>
+            <a:endParaRPr lang="fr-FR" sz="4000" dirty="0"/>
           </a:p>
         </p:txBody>
       </p:sp>
@@ -6466,8 +6486,8 @@
         </p:nvSpPr>
         <p:spPr>
           <a:xfrm>
-            <a:off x="457199" y="814187"/>
-            <a:ext cx="8229600" cy="5336454"/>
+            <a:off x="761998" y="204587"/>
+            <a:ext cx="9712037" cy="5336454"/>
           </a:xfrm>
         </p:spPr>
         <p:txBody>
@@ -6478,7 +6498,7 @@
               <a:buNone/>
             </a:pPr>
             <a:r>
-              <a:rPr lang="en-US" dirty="0">
+              <a:rPr lang="en-US" sz="3600" dirty="0">
                 <a:latin typeface="Courier New" panose="02070309020205020404" pitchFamily="49" charset="0"/>
                 <a:cs typeface="Courier New" panose="02070309020205020404" pitchFamily="49" charset="0"/>
               </a:rPr>
@@ -6490,7 +6510,7 @@
               <a:buNone/>
             </a:pPr>
             <a:r>
-              <a:rPr lang="en-US" dirty="0">
+              <a:rPr lang="en-US" sz="3600" dirty="0">
                 <a:solidFill>
                   <a:srgbClr val="FFC000"/>
                 </a:solidFill>
@@ -6500,7 +6520,7 @@
               <a:t>if</a:t>
             </a:r>
             <a:r>
-              <a:rPr lang="en-US" dirty="0">
+              <a:rPr lang="en-US" sz="3600" dirty="0">
                 <a:latin typeface="Courier New" panose="02070309020205020404" pitchFamily="49" charset="0"/>
                 <a:cs typeface="Courier New" panose="02070309020205020404" pitchFamily="49" charset="0"/>
               </a:rPr>
@@ -6512,14 +6532,14 @@
               <a:buNone/>
             </a:pPr>
             <a:r>
-              <a:rPr lang="en-US" dirty="0">
+              <a:rPr lang="en-US" sz="3600" dirty="0">
                 <a:latin typeface="Courier New" panose="02070309020205020404" pitchFamily="49" charset="0"/>
                 <a:cs typeface="Courier New" panose="02070309020205020404" pitchFamily="49" charset="0"/>
               </a:rPr>
               <a:t>    </a:t>
             </a:r>
             <a:r>
-              <a:rPr lang="en-US" dirty="0">
+              <a:rPr lang="en-US" sz="3600" dirty="0">
                 <a:solidFill>
                   <a:srgbClr val="FFC000"/>
                 </a:solidFill>
@@ -6529,14 +6549,14 @@
               <a:t>print</a:t>
             </a:r>
             <a:r>
-              <a:rPr lang="en-US" dirty="0">
+              <a:rPr lang="en-US" sz="3600" dirty="0">
                 <a:latin typeface="Courier New" panose="02070309020205020404" pitchFamily="49" charset="0"/>
                 <a:cs typeface="Courier New" panose="02070309020205020404" pitchFamily="49" charset="0"/>
               </a:rPr>
               <a:t> </a:t>
             </a:r>
             <a:r>
-              <a:rPr lang="en-US" dirty="0">
+              <a:rPr lang="en-US" sz="3600" dirty="0">
                 <a:solidFill>
                   <a:srgbClr val="00B050"/>
                 </a:solidFill>
@@ -6546,7 +6566,7 @@
               <a:t>'</a:t>
             </a:r>
             <a:r>
-              <a:rPr lang="en-US" dirty="0" err="1">
+              <a:rPr lang="en-US" sz="3600" dirty="0" err="1">
                 <a:solidFill>
                   <a:srgbClr val="00B050"/>
                 </a:solidFill>
@@ -6556,7 +6576,7 @@
               <a:t>reçu</a:t>
             </a:r>
             <a:r>
-              <a:rPr lang="en-US" dirty="0">
+              <a:rPr lang="en-US" sz="3600" dirty="0">
                 <a:solidFill>
                   <a:srgbClr val="00B050"/>
                 </a:solidFill>
@@ -6571,14 +6591,14 @@
               <a:buNone/>
             </a:pPr>
             <a:r>
-              <a:rPr lang="en-US" dirty="0">
+              <a:rPr lang="en-US" sz="3600" dirty="0">
                 <a:latin typeface="Courier New" panose="02070309020205020404" pitchFamily="49" charset="0"/>
                 <a:cs typeface="Courier New" panose="02070309020205020404" pitchFamily="49" charset="0"/>
               </a:rPr>
               <a:t>    </a:t>
             </a:r>
             <a:r>
-              <a:rPr lang="en-US" dirty="0">
+              <a:rPr lang="en-US" sz="3600" dirty="0">
                 <a:solidFill>
                   <a:srgbClr val="FFC000"/>
                 </a:solidFill>
@@ -6588,14 +6608,14 @@
               <a:t>print</a:t>
             </a:r>
             <a:r>
-              <a:rPr lang="en-US" dirty="0">
+              <a:rPr lang="en-US" sz="3600" dirty="0">
                 <a:latin typeface="Courier New" panose="02070309020205020404" pitchFamily="49" charset="0"/>
                 <a:cs typeface="Courier New" panose="02070309020205020404" pitchFamily="49" charset="0"/>
               </a:rPr>
               <a:t> </a:t>
             </a:r>
             <a:r>
-              <a:rPr lang="en-US" dirty="0">
+              <a:rPr lang="en-US" sz="3600" dirty="0">
                 <a:solidFill>
                   <a:srgbClr val="00B050"/>
                 </a:solidFill>
@@ -6610,7 +6630,7 @@
               <a:buNone/>
             </a:pPr>
             <a:r>
-              <a:rPr lang="en-US" dirty="0" err="1">
+              <a:rPr lang="en-US" sz="3600" dirty="0" err="1">
                 <a:solidFill>
                   <a:srgbClr val="FFC000"/>
                 </a:solidFill>
@@ -6620,7 +6640,7 @@
               <a:t>elif</a:t>
             </a:r>
             <a:r>
-              <a:rPr lang="en-US" dirty="0">
+              <a:rPr lang="en-US" sz="3600" dirty="0">
                 <a:solidFill>
                   <a:srgbClr val="FFC000"/>
                 </a:solidFill>
@@ -6630,7 +6650,7 @@
               <a:t> </a:t>
             </a:r>
             <a:r>
-              <a:rPr lang="en-US" dirty="0">
+              <a:rPr lang="en-US" sz="3600" dirty="0">
                 <a:latin typeface="Courier New" panose="02070309020205020404" pitchFamily="49" charset="0"/>
                 <a:cs typeface="Courier New" panose="02070309020205020404" pitchFamily="49" charset="0"/>
               </a:rPr>
@@ -6642,14 +6662,14 @@
               <a:buNone/>
             </a:pPr>
             <a:r>
-              <a:rPr lang="en-US" dirty="0">
+              <a:rPr lang="en-US" sz="3600" dirty="0">
                 <a:latin typeface="Courier New" panose="02070309020205020404" pitchFamily="49" charset="0"/>
                 <a:cs typeface="Courier New" panose="02070309020205020404" pitchFamily="49" charset="0"/>
               </a:rPr>
               <a:t>    </a:t>
             </a:r>
             <a:r>
-              <a:rPr lang="en-US" dirty="0">
+              <a:rPr lang="en-US" sz="3600" dirty="0">
                 <a:solidFill>
                   <a:srgbClr val="FFC000"/>
                 </a:solidFill>
@@ -6659,14 +6679,14 @@
               <a:t>print</a:t>
             </a:r>
             <a:r>
-              <a:rPr lang="en-US" dirty="0">
+              <a:rPr lang="en-US" sz="3600" dirty="0">
                 <a:latin typeface="Courier New" panose="02070309020205020404" pitchFamily="49" charset="0"/>
                 <a:cs typeface="Courier New" panose="02070309020205020404" pitchFamily="49" charset="0"/>
               </a:rPr>
               <a:t> </a:t>
             </a:r>
             <a:r>
-              <a:rPr lang="en-US" dirty="0">
+              <a:rPr lang="en-US" sz="3600" dirty="0">
                 <a:solidFill>
                   <a:srgbClr val="00B050"/>
                 </a:solidFill>
@@ -6676,7 +6696,7 @@
               <a:t>'</a:t>
             </a:r>
             <a:r>
-              <a:rPr lang="en-US" dirty="0" err="1">
+              <a:rPr lang="en-US" sz="3600" dirty="0" err="1">
                 <a:solidFill>
                   <a:srgbClr val="00B050"/>
                 </a:solidFill>
@@ -6686,7 +6706,7 @@
               <a:t>reçu</a:t>
             </a:r>
             <a:r>
-              <a:rPr lang="en-US" dirty="0">
+              <a:rPr lang="en-US" sz="3600" dirty="0">
                 <a:solidFill>
                   <a:srgbClr val="00B050"/>
                 </a:solidFill>
@@ -6701,14 +6721,14 @@
               <a:buNone/>
             </a:pPr>
             <a:r>
-              <a:rPr lang="en-US" dirty="0">
+              <a:rPr lang="en-US" sz="3600" dirty="0">
                 <a:latin typeface="Courier New" panose="02070309020205020404" pitchFamily="49" charset="0"/>
                 <a:cs typeface="Courier New" panose="02070309020205020404" pitchFamily="49" charset="0"/>
               </a:rPr>
               <a:t>    </a:t>
             </a:r>
             <a:r>
-              <a:rPr lang="en-US" dirty="0">
+              <a:rPr lang="en-US" sz="3600" dirty="0">
                 <a:solidFill>
                   <a:srgbClr val="FFC000"/>
                 </a:solidFill>
@@ -6718,14 +6738,14 @@
               <a:t>print</a:t>
             </a:r>
             <a:r>
-              <a:rPr lang="en-US" dirty="0">
+              <a:rPr lang="en-US" sz="3600" dirty="0">
                 <a:latin typeface="Courier New" panose="02070309020205020404" pitchFamily="49" charset="0"/>
                 <a:cs typeface="Courier New" panose="02070309020205020404" pitchFamily="49" charset="0"/>
               </a:rPr>
               <a:t> </a:t>
             </a:r>
             <a:r>
-              <a:rPr lang="en-US" dirty="0">
+              <a:rPr lang="en-US" sz="3600" dirty="0">
                 <a:solidFill>
                   <a:srgbClr val="00B050"/>
                 </a:solidFill>
@@ -6740,7 +6760,7 @@
               <a:buNone/>
             </a:pPr>
             <a:r>
-              <a:rPr lang="en-US" dirty="0">
+              <a:rPr lang="en-US" sz="3600" dirty="0">
                 <a:solidFill>
                   <a:srgbClr val="FFC000"/>
                 </a:solidFill>
@@ -6750,7 +6770,7 @@
               <a:t>else</a:t>
             </a:r>
             <a:r>
-              <a:rPr lang="en-US" dirty="0">
+              <a:rPr lang="en-US" sz="3600" dirty="0">
                 <a:latin typeface="Courier New" panose="02070309020205020404" pitchFamily="49" charset="0"/>
                 <a:cs typeface="Courier New" panose="02070309020205020404" pitchFamily="49" charset="0"/>
               </a:rPr>
@@ -6762,14 +6782,14 @@
               <a:buNone/>
             </a:pPr>
             <a:r>
-              <a:rPr lang="en-US" dirty="0">
+              <a:rPr lang="en-US" sz="3600" dirty="0">
                 <a:latin typeface="Courier New" panose="02070309020205020404" pitchFamily="49" charset="0"/>
                 <a:cs typeface="Courier New" panose="02070309020205020404" pitchFamily="49" charset="0"/>
               </a:rPr>
               <a:t>    </a:t>
             </a:r>
             <a:r>
-              <a:rPr lang="en-US" dirty="0">
+              <a:rPr lang="en-US" sz="3600" dirty="0">
                 <a:solidFill>
                   <a:srgbClr val="FFC000"/>
                 </a:solidFill>
@@ -6779,14 +6799,14 @@
               <a:t>print</a:t>
             </a:r>
             <a:r>
-              <a:rPr lang="en-US" dirty="0">
+              <a:rPr lang="en-US" sz="3600" dirty="0">
                 <a:latin typeface="Courier New" panose="02070309020205020404" pitchFamily="49" charset="0"/>
                 <a:cs typeface="Courier New" panose="02070309020205020404" pitchFamily="49" charset="0"/>
               </a:rPr>
               <a:t> </a:t>
             </a:r>
             <a:r>
-              <a:rPr lang="en-US" dirty="0">
+              <a:rPr lang="en-US" sz="3600" dirty="0">
                 <a:solidFill>
                   <a:srgbClr val="00B050"/>
                 </a:solidFill>
@@ -6796,7 +6816,7 @@
               <a:t>'</a:t>
             </a:r>
             <a:r>
-              <a:rPr lang="en-US" dirty="0" err="1">
+              <a:rPr lang="en-US" sz="3600" dirty="0" err="1">
                 <a:solidFill>
                   <a:srgbClr val="00B050"/>
                 </a:solidFill>
@@ -6806,7 +6826,7 @@
               <a:t>recalé</a:t>
             </a:r>
             <a:r>
-              <a:rPr lang="en-US" dirty="0">
+              <a:rPr lang="en-US" sz="3600" dirty="0">
                 <a:solidFill>
                   <a:srgbClr val="00B050"/>
                 </a:solidFill>
@@ -6820,7 +6840,7 @@
             <a:pPr marL="0" indent="0">
               <a:buNone/>
             </a:pPr>
-            <a:endParaRPr lang="en-US" dirty="0">
+            <a:endParaRPr lang="en-US" sz="3600" dirty="0">
               <a:latin typeface="Courier New" panose="02070309020205020404" pitchFamily="49" charset="0"/>
               <a:cs typeface="Courier New" panose="02070309020205020404" pitchFamily="49" charset="0"/>
             </a:endParaRPr>
@@ -6829,7 +6849,7 @@
             <a:pPr marL="0" indent="0">
               <a:buNone/>
             </a:pPr>
-            <a:endParaRPr lang="fr-FR" dirty="0">
+            <a:endParaRPr lang="fr-FR" sz="3600" dirty="0">
               <a:latin typeface="Courier New" panose="02070309020205020404" pitchFamily="49" charset="0"/>
               <a:cs typeface="Courier New" panose="02070309020205020404" pitchFamily="49" charset="0"/>
             </a:endParaRPr>
@@ -7376,8 +7396,8 @@
         </p:nvSpPr>
         <p:spPr>
           <a:xfrm>
-            <a:off x="457198" y="814187"/>
-            <a:ext cx="8686801" cy="5336454"/>
+            <a:off x="761998" y="193963"/>
+            <a:ext cx="9573492" cy="5336454"/>
           </a:xfrm>
         </p:spPr>
         <p:txBody>
@@ -7388,7 +7408,7 @@
               <a:buNone/>
             </a:pPr>
             <a:r>
-              <a:rPr lang="en-US" dirty="0">
+              <a:rPr lang="en-US" sz="3600" dirty="0">
                 <a:latin typeface="Courier New" panose="02070309020205020404" pitchFamily="49" charset="0"/>
                 <a:cs typeface="Courier New" panose="02070309020205020404" pitchFamily="49" charset="0"/>
               </a:rPr>
@@ -7400,7 +7420,7 @@
               <a:buNone/>
             </a:pPr>
             <a:r>
-              <a:rPr lang="en-US" dirty="0">
+              <a:rPr lang="en-US" sz="3600" dirty="0">
                 <a:solidFill>
                   <a:srgbClr val="FFC000"/>
                 </a:solidFill>
@@ -7410,20 +7430,20 @@
               <a:t>if</a:t>
             </a:r>
             <a:r>
-              <a:rPr lang="en-US" dirty="0">
+              <a:rPr lang="en-US" sz="3600" dirty="0">
                 <a:latin typeface="Courier New" panose="02070309020205020404" pitchFamily="49" charset="0"/>
                 <a:cs typeface="Courier New" panose="02070309020205020404" pitchFamily="49" charset="0"/>
               </a:rPr>
               <a:t> note &gt; </a:t>
             </a:r>
             <a:r>
-              <a:rPr lang="en-US" dirty="0" smtClean="0">
+              <a:rPr lang="en-US" sz="3600" dirty="0" smtClean="0">
                 <a:latin typeface="Courier New" panose="02070309020205020404" pitchFamily="49" charset="0"/>
                 <a:cs typeface="Courier New" panose="02070309020205020404" pitchFamily="49" charset="0"/>
               </a:rPr>
               <a:t>10:</a:t>
             </a:r>
-            <a:endParaRPr lang="en-US" dirty="0">
+            <a:endParaRPr lang="en-US" sz="3600" dirty="0">
               <a:latin typeface="Courier New" panose="02070309020205020404" pitchFamily="49" charset="0"/>
               <a:cs typeface="Courier New" panose="02070309020205020404" pitchFamily="49" charset="0"/>
             </a:endParaRPr>
@@ -7433,14 +7453,14 @@
               <a:buNone/>
             </a:pPr>
             <a:r>
-              <a:rPr lang="en-US" dirty="0">
+              <a:rPr lang="en-US" sz="3600" dirty="0">
                 <a:latin typeface="Courier New" panose="02070309020205020404" pitchFamily="49" charset="0"/>
                 <a:cs typeface="Courier New" panose="02070309020205020404" pitchFamily="49" charset="0"/>
               </a:rPr>
               <a:t>    </a:t>
             </a:r>
             <a:r>
-              <a:rPr lang="en-US" dirty="0">
+              <a:rPr lang="en-US" sz="3600" dirty="0">
                 <a:solidFill>
                   <a:srgbClr val="FFC000"/>
                 </a:solidFill>
@@ -7450,14 +7470,14 @@
               <a:t>print</a:t>
             </a:r>
             <a:r>
-              <a:rPr lang="en-US" dirty="0">
+              <a:rPr lang="en-US" sz="3600" dirty="0">
                 <a:latin typeface="Courier New" panose="02070309020205020404" pitchFamily="49" charset="0"/>
                 <a:cs typeface="Courier New" panose="02070309020205020404" pitchFamily="49" charset="0"/>
               </a:rPr>
               <a:t> </a:t>
             </a:r>
             <a:r>
-              <a:rPr lang="en-US" dirty="0">
+              <a:rPr lang="en-US" sz="3600" dirty="0">
                 <a:solidFill>
                   <a:srgbClr val="00B050"/>
                 </a:solidFill>
@@ -7467,7 +7487,7 @@
               <a:t>'</a:t>
             </a:r>
             <a:r>
-              <a:rPr lang="en-US" dirty="0" err="1">
+              <a:rPr lang="en-US" sz="3600" dirty="0" err="1">
                 <a:solidFill>
                   <a:srgbClr val="00B050"/>
                 </a:solidFill>
@@ -7477,7 +7497,7 @@
               <a:t>reçu</a:t>
             </a:r>
             <a:r>
-              <a:rPr lang="en-US" dirty="0">
+              <a:rPr lang="en-US" sz="3600" dirty="0">
                 <a:solidFill>
                   <a:srgbClr val="00B050"/>
                 </a:solidFill>
@@ -7492,14 +7512,14 @@
               <a:buNone/>
             </a:pPr>
             <a:r>
-              <a:rPr lang="en-US" dirty="0">
+              <a:rPr lang="en-US" sz="3600" dirty="0">
                 <a:latin typeface="Courier New" panose="02070309020205020404" pitchFamily="49" charset="0"/>
                 <a:cs typeface="Courier New" panose="02070309020205020404" pitchFamily="49" charset="0"/>
               </a:rPr>
               <a:t>    </a:t>
             </a:r>
             <a:r>
-              <a:rPr lang="en-US" dirty="0">
+              <a:rPr lang="en-US" sz="3600" dirty="0">
                 <a:solidFill>
                   <a:srgbClr val="FFC000"/>
                 </a:solidFill>
@@ -7509,14 +7529,14 @@
               <a:t>print</a:t>
             </a:r>
             <a:r>
-              <a:rPr lang="en-US" dirty="0">
+              <a:rPr lang="en-US" sz="3600" dirty="0">
                 <a:latin typeface="Courier New" panose="02070309020205020404" pitchFamily="49" charset="0"/>
                 <a:cs typeface="Courier New" panose="02070309020205020404" pitchFamily="49" charset="0"/>
               </a:rPr>
               <a:t> </a:t>
             </a:r>
             <a:r>
-              <a:rPr lang="en-US" dirty="0">
+              <a:rPr lang="en-US" sz="3600" dirty="0">
                 <a:solidFill>
                   <a:srgbClr val="00B050"/>
                 </a:solidFill>
@@ -7531,7 +7551,7 @@
               <a:buNone/>
             </a:pPr>
             <a:r>
-              <a:rPr lang="en-US" dirty="0">
+              <a:rPr lang="en-US" sz="3600" dirty="0">
                 <a:solidFill>
                   <a:srgbClr val="FFC000"/>
                 </a:solidFill>
@@ -7541,7 +7561,7 @@
               <a:t>	</a:t>
             </a:r>
             <a:r>
-              <a:rPr lang="en-US" dirty="0" smtClean="0">
+              <a:rPr lang="en-US" sz="3600" dirty="0" smtClean="0">
                 <a:solidFill>
                   <a:srgbClr val="FFC000"/>
                 </a:solidFill>
@@ -7551,7 +7571,7 @@
               <a:t>if </a:t>
             </a:r>
             <a:r>
-              <a:rPr lang="en-US" dirty="0">
+              <a:rPr lang="en-US" sz="3600" dirty="0">
                 <a:latin typeface="Courier New" panose="02070309020205020404" pitchFamily="49" charset="0"/>
                 <a:cs typeface="Courier New" panose="02070309020205020404" pitchFamily="49" charset="0"/>
               </a:rPr>
@@ -7563,21 +7583,21 @@
               <a:buNone/>
             </a:pPr>
             <a:r>
-              <a:rPr lang="en-US" dirty="0">
+              <a:rPr lang="en-US" sz="3600" dirty="0">
                 <a:latin typeface="Courier New" panose="02070309020205020404" pitchFamily="49" charset="0"/>
                 <a:cs typeface="Courier New" panose="02070309020205020404" pitchFamily="49" charset="0"/>
               </a:rPr>
               <a:t>    </a:t>
             </a:r>
             <a:r>
-              <a:rPr lang="en-US" dirty="0" smtClean="0">
+              <a:rPr lang="en-US" sz="3600" dirty="0" smtClean="0">
                 <a:latin typeface="Courier New" panose="02070309020205020404" pitchFamily="49" charset="0"/>
                 <a:cs typeface="Courier New" panose="02070309020205020404" pitchFamily="49" charset="0"/>
               </a:rPr>
               <a:t>	</a:t>
             </a:r>
             <a:r>
-              <a:rPr lang="en-US" dirty="0" smtClean="0">
+              <a:rPr lang="en-US" sz="3600" dirty="0" smtClean="0">
                 <a:solidFill>
                   <a:srgbClr val="FFC000"/>
                 </a:solidFill>
@@ -7587,14 +7607,14 @@
               <a:t>print</a:t>
             </a:r>
             <a:r>
-              <a:rPr lang="en-US" dirty="0" smtClean="0">
+              <a:rPr lang="en-US" sz="3600" dirty="0" smtClean="0">
                 <a:latin typeface="Courier New" panose="02070309020205020404" pitchFamily="49" charset="0"/>
                 <a:cs typeface="Courier New" panose="02070309020205020404" pitchFamily="49" charset="0"/>
               </a:rPr>
               <a:t> </a:t>
             </a:r>
             <a:r>
-              <a:rPr lang="en-US" dirty="0">
+              <a:rPr lang="en-US" sz="3600" dirty="0">
                 <a:solidFill>
                   <a:srgbClr val="00B050"/>
                 </a:solidFill>
@@ -7604,7 +7624,7 @@
               <a:t>'</a:t>
             </a:r>
             <a:r>
-              <a:rPr lang="en-US" dirty="0" err="1">
+              <a:rPr lang="en-US" sz="3600" dirty="0" err="1">
                 <a:solidFill>
                   <a:srgbClr val="00B050"/>
                 </a:solidFill>
@@ -7614,7 +7634,7 @@
               <a:t>reçu</a:t>
             </a:r>
             <a:r>
-              <a:rPr lang="en-US" dirty="0">
+              <a:rPr lang="en-US" sz="3600" dirty="0">
                 <a:solidFill>
                   <a:srgbClr val="00B050"/>
                 </a:solidFill>
@@ -7629,21 +7649,21 @@
               <a:buNone/>
             </a:pPr>
             <a:r>
-              <a:rPr lang="en-US" dirty="0">
+              <a:rPr lang="en-US" sz="3600" dirty="0">
                 <a:latin typeface="Courier New" panose="02070309020205020404" pitchFamily="49" charset="0"/>
                 <a:cs typeface="Courier New" panose="02070309020205020404" pitchFamily="49" charset="0"/>
               </a:rPr>
               <a:t>    </a:t>
             </a:r>
             <a:r>
-              <a:rPr lang="en-US" dirty="0" smtClean="0">
+              <a:rPr lang="en-US" sz="3600" dirty="0" smtClean="0">
                 <a:latin typeface="Courier New" panose="02070309020205020404" pitchFamily="49" charset="0"/>
                 <a:cs typeface="Courier New" panose="02070309020205020404" pitchFamily="49" charset="0"/>
               </a:rPr>
               <a:t>	</a:t>
             </a:r>
             <a:r>
-              <a:rPr lang="en-US" dirty="0" smtClean="0">
+              <a:rPr lang="en-US" sz="3600" dirty="0" smtClean="0">
                 <a:solidFill>
                   <a:srgbClr val="FFC000"/>
                 </a:solidFill>
@@ -7653,14 +7673,14 @@
               <a:t>print</a:t>
             </a:r>
             <a:r>
-              <a:rPr lang="en-US" dirty="0" smtClean="0">
+              <a:rPr lang="en-US" sz="3600" dirty="0" smtClean="0">
                 <a:latin typeface="Courier New" panose="02070309020205020404" pitchFamily="49" charset="0"/>
                 <a:cs typeface="Courier New" panose="02070309020205020404" pitchFamily="49" charset="0"/>
               </a:rPr>
               <a:t> </a:t>
             </a:r>
             <a:r>
-              <a:rPr lang="en-US" dirty="0">
+              <a:rPr lang="en-US" sz="3600" dirty="0">
                 <a:solidFill>
                   <a:srgbClr val="00B050"/>
                 </a:solidFill>
@@ -7675,7 +7695,7 @@
               <a:buNone/>
             </a:pPr>
             <a:r>
-              <a:rPr lang="en-US" dirty="0">
+              <a:rPr lang="en-US" sz="3600" dirty="0">
                 <a:solidFill>
                   <a:srgbClr val="FFC000"/>
                 </a:solidFill>
@@ -7685,7 +7705,7 @@
               <a:t>else</a:t>
             </a:r>
             <a:r>
-              <a:rPr lang="en-US" dirty="0">
+              <a:rPr lang="en-US" sz="3600" dirty="0">
                 <a:latin typeface="Courier New" panose="02070309020205020404" pitchFamily="49" charset="0"/>
                 <a:cs typeface="Courier New" panose="02070309020205020404" pitchFamily="49" charset="0"/>
               </a:rPr>
@@ -7697,14 +7717,14 @@
               <a:buNone/>
             </a:pPr>
             <a:r>
-              <a:rPr lang="en-US" dirty="0">
+              <a:rPr lang="en-US" sz="3600" dirty="0">
                 <a:latin typeface="Courier New" panose="02070309020205020404" pitchFamily="49" charset="0"/>
                 <a:cs typeface="Courier New" panose="02070309020205020404" pitchFamily="49" charset="0"/>
               </a:rPr>
               <a:t>    </a:t>
             </a:r>
             <a:r>
-              <a:rPr lang="en-US" dirty="0">
+              <a:rPr lang="en-US" sz="3600" dirty="0">
                 <a:solidFill>
                   <a:srgbClr val="FFC000"/>
                 </a:solidFill>
@@ -7714,14 +7734,14 @@
               <a:t>print</a:t>
             </a:r>
             <a:r>
-              <a:rPr lang="en-US" dirty="0">
+              <a:rPr lang="en-US" sz="3600" dirty="0">
                 <a:latin typeface="Courier New" panose="02070309020205020404" pitchFamily="49" charset="0"/>
                 <a:cs typeface="Courier New" panose="02070309020205020404" pitchFamily="49" charset="0"/>
               </a:rPr>
               <a:t> </a:t>
             </a:r>
             <a:r>
-              <a:rPr lang="en-US" dirty="0">
+              <a:rPr lang="en-US" sz="3600" dirty="0">
                 <a:solidFill>
                   <a:srgbClr val="00B050"/>
                 </a:solidFill>
@@ -7731,7 +7751,7 @@
               <a:t>'</a:t>
             </a:r>
             <a:r>
-              <a:rPr lang="en-US" dirty="0" err="1">
+              <a:rPr lang="en-US" sz="3600" dirty="0" err="1">
                 <a:solidFill>
                   <a:srgbClr val="00B050"/>
                 </a:solidFill>
@@ -7741,7 +7761,7 @@
               <a:t>recalé</a:t>
             </a:r>
             <a:r>
-              <a:rPr lang="en-US" dirty="0">
+              <a:rPr lang="en-US" sz="3600" dirty="0">
                 <a:solidFill>
                   <a:srgbClr val="00B050"/>
                 </a:solidFill>
@@ -7755,7 +7775,7 @@
             <a:pPr marL="0" indent="0">
               <a:buNone/>
             </a:pPr>
-            <a:endParaRPr lang="en-US" dirty="0">
+            <a:endParaRPr lang="en-US" sz="3600" dirty="0">
               <a:latin typeface="Courier New" panose="02070309020205020404" pitchFamily="49" charset="0"/>
               <a:cs typeface="Courier New" panose="02070309020205020404" pitchFamily="49" charset="0"/>
             </a:endParaRPr>
@@ -7764,7 +7784,7 @@
             <a:pPr marL="0" indent="0">
               <a:buNone/>
             </a:pPr>
-            <a:endParaRPr lang="fr-FR" dirty="0">
+            <a:endParaRPr lang="fr-FR" sz="3600" dirty="0">
               <a:latin typeface="Courier New" panose="02070309020205020404" pitchFamily="49" charset="0"/>
               <a:cs typeface="Courier New" panose="02070309020205020404" pitchFamily="49" charset="0"/>
             </a:endParaRPr>
@@ -8311,8 +8331,8 @@
         </p:nvSpPr>
         <p:spPr>
           <a:xfrm>
-            <a:off x="457199" y="814187"/>
-            <a:ext cx="8229600" cy="5336454"/>
+            <a:off x="761999" y="232297"/>
+            <a:ext cx="9573492" cy="5336454"/>
           </a:xfrm>
         </p:spPr>
         <p:txBody>
@@ -8323,7 +8343,7 @@
               <a:buNone/>
             </a:pPr>
             <a:r>
-              <a:rPr lang="en-US" dirty="0">
+              <a:rPr lang="en-US" sz="3600" dirty="0">
                 <a:latin typeface="Courier New" panose="02070309020205020404" pitchFamily="49" charset="0"/>
                 <a:cs typeface="Courier New" panose="02070309020205020404" pitchFamily="49" charset="0"/>
               </a:rPr>
@@ -8335,7 +8355,7 @@
               <a:buNone/>
             </a:pPr>
             <a:r>
-              <a:rPr lang="en-US" dirty="0">
+              <a:rPr lang="en-US" sz="3600" dirty="0">
                 <a:solidFill>
                   <a:srgbClr val="FFC000"/>
                 </a:solidFill>
@@ -8345,21 +8365,21 @@
               <a:t>if</a:t>
             </a:r>
             <a:r>
-              <a:rPr lang="en-US" dirty="0">
+              <a:rPr lang="en-US" sz="3600" dirty="0">
                 <a:latin typeface="Courier New" panose="02070309020205020404" pitchFamily="49" charset="0"/>
                 <a:cs typeface="Courier New" panose="02070309020205020404" pitchFamily="49" charset="0"/>
               </a:rPr>
               <a:t> note &gt; </a:t>
             </a:r>
             <a:r>
-              <a:rPr lang="en-US" dirty="0" smtClean="0">
+              <a:rPr lang="en-US" sz="3600" dirty="0" smtClean="0">
                 <a:latin typeface="Courier New" panose="02070309020205020404" pitchFamily="49" charset="0"/>
                 <a:cs typeface="Courier New" panose="02070309020205020404" pitchFamily="49" charset="0"/>
               </a:rPr>
               <a:t>10 </a:t>
             </a:r>
             <a:r>
-              <a:rPr lang="en-US" dirty="0" smtClean="0">
+              <a:rPr lang="en-US" sz="3600" dirty="0" smtClean="0">
                 <a:solidFill>
                   <a:srgbClr val="FFC000"/>
                 </a:solidFill>
@@ -8369,13 +8389,13 @@
               <a:t>and</a:t>
             </a:r>
             <a:r>
-              <a:rPr lang="en-US" dirty="0" smtClean="0">
+              <a:rPr lang="en-US" sz="3600" dirty="0" smtClean="0">
                 <a:latin typeface="Courier New" panose="02070309020205020404" pitchFamily="49" charset="0"/>
                 <a:cs typeface="Courier New" panose="02070309020205020404" pitchFamily="49" charset="0"/>
               </a:rPr>
               <a:t> note &lt; 12:</a:t>
             </a:r>
-            <a:endParaRPr lang="en-US" dirty="0">
+            <a:endParaRPr lang="en-US" sz="3600" dirty="0">
               <a:latin typeface="Courier New" panose="02070309020205020404" pitchFamily="49" charset="0"/>
               <a:cs typeface="Courier New" panose="02070309020205020404" pitchFamily="49" charset="0"/>
             </a:endParaRPr>
@@ -8385,14 +8405,14 @@
               <a:buNone/>
             </a:pPr>
             <a:r>
-              <a:rPr lang="en-US" dirty="0">
+              <a:rPr lang="en-US" sz="3600" dirty="0">
                 <a:latin typeface="Courier New" panose="02070309020205020404" pitchFamily="49" charset="0"/>
                 <a:cs typeface="Courier New" panose="02070309020205020404" pitchFamily="49" charset="0"/>
               </a:rPr>
               <a:t>    </a:t>
             </a:r>
             <a:r>
-              <a:rPr lang="en-US" dirty="0">
+              <a:rPr lang="en-US" sz="3600" dirty="0">
                 <a:solidFill>
                   <a:srgbClr val="FFC000"/>
                 </a:solidFill>
@@ -8402,14 +8422,14 @@
               <a:t>print</a:t>
             </a:r>
             <a:r>
-              <a:rPr lang="en-US" dirty="0">
+              <a:rPr lang="en-US" sz="3600" dirty="0">
                 <a:latin typeface="Courier New" panose="02070309020205020404" pitchFamily="49" charset="0"/>
                 <a:cs typeface="Courier New" panose="02070309020205020404" pitchFamily="49" charset="0"/>
               </a:rPr>
               <a:t> </a:t>
             </a:r>
             <a:r>
-              <a:rPr lang="en-US" dirty="0">
+              <a:rPr lang="en-US" sz="3600" dirty="0">
                 <a:solidFill>
                   <a:srgbClr val="00B050"/>
                 </a:solidFill>
@@ -8419,7 +8439,7 @@
               <a:t>'</a:t>
             </a:r>
             <a:r>
-              <a:rPr lang="en-US" dirty="0" err="1">
+              <a:rPr lang="en-US" sz="3600" dirty="0" err="1">
                 <a:solidFill>
                   <a:srgbClr val="00B050"/>
                 </a:solidFill>
@@ -8429,7 +8449,7 @@
               <a:t>reçu</a:t>
             </a:r>
             <a:r>
-              <a:rPr lang="en-US" dirty="0">
+              <a:rPr lang="en-US" sz="3600" dirty="0">
                 <a:solidFill>
                   <a:srgbClr val="00B050"/>
                 </a:solidFill>
@@ -8444,14 +8464,14 @@
               <a:buNone/>
             </a:pPr>
             <a:r>
-              <a:rPr lang="en-US" dirty="0">
+              <a:rPr lang="en-US" sz="3600" dirty="0">
                 <a:latin typeface="Courier New" panose="02070309020205020404" pitchFamily="49" charset="0"/>
                 <a:cs typeface="Courier New" panose="02070309020205020404" pitchFamily="49" charset="0"/>
               </a:rPr>
               <a:t>    </a:t>
             </a:r>
             <a:r>
-              <a:rPr lang="en-US" dirty="0">
+              <a:rPr lang="en-US" sz="3600" dirty="0">
                 <a:solidFill>
                   <a:srgbClr val="FFC000"/>
                 </a:solidFill>
@@ -8461,14 +8481,14 @@
               <a:t>print</a:t>
             </a:r>
             <a:r>
-              <a:rPr lang="en-US" dirty="0">
+              <a:rPr lang="en-US" sz="3600" dirty="0">
                 <a:latin typeface="Courier New" panose="02070309020205020404" pitchFamily="49" charset="0"/>
                 <a:cs typeface="Courier New" panose="02070309020205020404" pitchFamily="49" charset="0"/>
               </a:rPr>
               <a:t> </a:t>
             </a:r>
             <a:r>
-              <a:rPr lang="en-US" dirty="0">
+              <a:rPr lang="en-US" sz="3600" dirty="0">
                 <a:solidFill>
                   <a:srgbClr val="00B050"/>
                 </a:solidFill>
@@ -8483,7 +8503,7 @@
               <a:buNone/>
             </a:pPr>
             <a:r>
-              <a:rPr lang="en-US" dirty="0" err="1">
+              <a:rPr lang="en-US" sz="3600" dirty="0" err="1">
                 <a:solidFill>
                   <a:srgbClr val="FFC000"/>
                 </a:solidFill>
@@ -8493,7 +8513,7 @@
               <a:t>elif</a:t>
             </a:r>
             <a:r>
-              <a:rPr lang="en-US" dirty="0">
+              <a:rPr lang="en-US" sz="3600" dirty="0">
                 <a:solidFill>
                   <a:srgbClr val="FFC000"/>
                 </a:solidFill>
@@ -8503,7 +8523,7 @@
               <a:t> </a:t>
             </a:r>
             <a:r>
-              <a:rPr lang="en-US" dirty="0">
+              <a:rPr lang="en-US" sz="3600" dirty="0">
                 <a:latin typeface="Courier New" panose="02070309020205020404" pitchFamily="49" charset="0"/>
                 <a:cs typeface="Courier New" panose="02070309020205020404" pitchFamily="49" charset="0"/>
               </a:rPr>
@@ -8515,14 +8535,14 @@
               <a:buNone/>
             </a:pPr>
             <a:r>
-              <a:rPr lang="en-US" dirty="0">
+              <a:rPr lang="en-US" sz="3600" dirty="0">
                 <a:latin typeface="Courier New" panose="02070309020205020404" pitchFamily="49" charset="0"/>
                 <a:cs typeface="Courier New" panose="02070309020205020404" pitchFamily="49" charset="0"/>
               </a:rPr>
               <a:t>    </a:t>
             </a:r>
             <a:r>
-              <a:rPr lang="en-US" dirty="0">
+              <a:rPr lang="en-US" sz="3600" dirty="0">
                 <a:solidFill>
                   <a:srgbClr val="FFC000"/>
                 </a:solidFill>
@@ -8532,14 +8552,14 @@
               <a:t>print</a:t>
             </a:r>
             <a:r>
-              <a:rPr lang="en-US" dirty="0">
+              <a:rPr lang="en-US" sz="3600" dirty="0">
                 <a:latin typeface="Courier New" panose="02070309020205020404" pitchFamily="49" charset="0"/>
                 <a:cs typeface="Courier New" panose="02070309020205020404" pitchFamily="49" charset="0"/>
               </a:rPr>
               <a:t> </a:t>
             </a:r>
             <a:r>
-              <a:rPr lang="en-US" dirty="0">
+              <a:rPr lang="en-US" sz="3600" dirty="0">
                 <a:solidFill>
                   <a:srgbClr val="00B050"/>
                 </a:solidFill>
@@ -8549,7 +8569,7 @@
               <a:t>'</a:t>
             </a:r>
             <a:r>
-              <a:rPr lang="en-US" dirty="0" err="1">
+              <a:rPr lang="en-US" sz="3600" dirty="0" err="1">
                 <a:solidFill>
                   <a:srgbClr val="00B050"/>
                 </a:solidFill>
@@ -8559,7 +8579,7 @@
               <a:t>reçu</a:t>
             </a:r>
             <a:r>
-              <a:rPr lang="en-US" dirty="0">
+              <a:rPr lang="en-US" sz="3600" dirty="0">
                 <a:solidFill>
                   <a:srgbClr val="00B050"/>
                 </a:solidFill>
@@ -8574,14 +8594,14 @@
               <a:buNone/>
             </a:pPr>
             <a:r>
-              <a:rPr lang="en-US" dirty="0">
+              <a:rPr lang="en-US" sz="3600" dirty="0">
                 <a:latin typeface="Courier New" panose="02070309020205020404" pitchFamily="49" charset="0"/>
                 <a:cs typeface="Courier New" panose="02070309020205020404" pitchFamily="49" charset="0"/>
               </a:rPr>
               <a:t>    </a:t>
             </a:r>
             <a:r>
-              <a:rPr lang="en-US" dirty="0">
+              <a:rPr lang="en-US" sz="3600" dirty="0">
                 <a:solidFill>
                   <a:srgbClr val="FFC000"/>
                 </a:solidFill>
@@ -8591,14 +8611,14 @@
               <a:t>print</a:t>
             </a:r>
             <a:r>
-              <a:rPr lang="en-US" dirty="0">
+              <a:rPr lang="en-US" sz="3600" dirty="0">
                 <a:latin typeface="Courier New" panose="02070309020205020404" pitchFamily="49" charset="0"/>
                 <a:cs typeface="Courier New" panose="02070309020205020404" pitchFamily="49" charset="0"/>
               </a:rPr>
               <a:t> </a:t>
             </a:r>
             <a:r>
-              <a:rPr lang="en-US" dirty="0">
+              <a:rPr lang="en-US" sz="3600" dirty="0">
                 <a:solidFill>
                   <a:srgbClr val="00B050"/>
                 </a:solidFill>
@@ -8613,7 +8633,7 @@
               <a:buNone/>
             </a:pPr>
             <a:r>
-              <a:rPr lang="en-US" dirty="0">
+              <a:rPr lang="en-US" sz="3600" dirty="0">
                 <a:solidFill>
                   <a:srgbClr val="FFC000"/>
                 </a:solidFill>
@@ -8623,7 +8643,7 @@
               <a:t>else</a:t>
             </a:r>
             <a:r>
-              <a:rPr lang="en-US" dirty="0">
+              <a:rPr lang="en-US" sz="3600" dirty="0">
                 <a:latin typeface="Courier New" panose="02070309020205020404" pitchFamily="49" charset="0"/>
                 <a:cs typeface="Courier New" panose="02070309020205020404" pitchFamily="49" charset="0"/>
               </a:rPr>
@@ -8635,14 +8655,14 @@
               <a:buNone/>
             </a:pPr>
             <a:r>
-              <a:rPr lang="en-US" dirty="0">
+              <a:rPr lang="en-US" sz="3600" dirty="0">
                 <a:latin typeface="Courier New" panose="02070309020205020404" pitchFamily="49" charset="0"/>
                 <a:cs typeface="Courier New" panose="02070309020205020404" pitchFamily="49" charset="0"/>
               </a:rPr>
               <a:t>    </a:t>
             </a:r>
             <a:r>
-              <a:rPr lang="en-US" dirty="0">
+              <a:rPr lang="en-US" sz="3600" dirty="0">
                 <a:solidFill>
                   <a:srgbClr val="FFC000"/>
                 </a:solidFill>
@@ -8652,14 +8672,14 @@
               <a:t>print</a:t>
             </a:r>
             <a:r>
-              <a:rPr lang="en-US" dirty="0">
+              <a:rPr lang="en-US" sz="3600" dirty="0">
                 <a:latin typeface="Courier New" panose="02070309020205020404" pitchFamily="49" charset="0"/>
                 <a:cs typeface="Courier New" panose="02070309020205020404" pitchFamily="49" charset="0"/>
               </a:rPr>
               <a:t> </a:t>
             </a:r>
             <a:r>
-              <a:rPr lang="en-US" dirty="0">
+              <a:rPr lang="en-US" sz="3600" dirty="0">
                 <a:solidFill>
                   <a:srgbClr val="00B050"/>
                 </a:solidFill>
@@ -8669,7 +8689,7 @@
               <a:t>'</a:t>
             </a:r>
             <a:r>
-              <a:rPr lang="en-US" dirty="0" err="1">
+              <a:rPr lang="en-US" sz="3600" dirty="0" err="1">
                 <a:solidFill>
                   <a:srgbClr val="00B050"/>
                 </a:solidFill>
@@ -8679,7 +8699,7 @@
               <a:t>recalé</a:t>
             </a:r>
             <a:r>
-              <a:rPr lang="en-US" dirty="0">
+              <a:rPr lang="en-US" sz="3600" dirty="0">
                 <a:solidFill>
                   <a:srgbClr val="00B050"/>
                 </a:solidFill>
@@ -8693,7 +8713,7 @@
             <a:pPr marL="0" indent="0">
               <a:buNone/>
             </a:pPr>
-            <a:endParaRPr lang="en-US" dirty="0">
+            <a:endParaRPr lang="en-US" sz="3600" dirty="0">
               <a:latin typeface="Courier New" panose="02070309020205020404" pitchFamily="49" charset="0"/>
               <a:cs typeface="Courier New" panose="02070309020205020404" pitchFamily="49" charset="0"/>
             </a:endParaRPr>
@@ -8702,7 +8722,7 @@
             <a:pPr marL="0" indent="0">
               <a:buNone/>
             </a:pPr>
-            <a:endParaRPr lang="fr-FR" dirty="0">
+            <a:endParaRPr lang="fr-FR" sz="3600" dirty="0">
               <a:latin typeface="Courier New" panose="02070309020205020404" pitchFamily="49" charset="0"/>
               <a:cs typeface="Courier New" panose="02070309020205020404" pitchFamily="49" charset="0"/>
             </a:endParaRPr>

--- a/semaine3/CO12AL-W3-VIDEO03-SLIDE01.pptx
+++ b/semaine3/CO12AL-W3-VIDEO03-SLIDE01.pptx
@@ -159,7 +159,7 @@
       </p14:sectionLst>
     </p:ext>
     <p:ext uri="{EFAFB233-063F-42B5-8137-9DF3F51BA10A}">
-      <p15:sldGuideLst xmlns:p15="http://schemas.microsoft.com/office/powerpoint/2012/main">
+      <p15:sldGuideLst xmlns:p15="http://schemas.microsoft.com/office/powerpoint/2012/main" xmlns="">
         <p15:guide id="1" orient="horz" pos="2160" userDrawn="1">
           <p15:clr>
             <a:srgbClr val="A4A3A4"/>
@@ -410,7 +410,7 @@
               <a:pPr>
                 <a:defRPr/>
               </a:pPr>
-              <a:t>‹N°›</a:t>
+              <a:t>‹#›</a:t>
             </a:fld>
             <a:endParaRPr lang="en-US"/>
           </a:p>
@@ -585,7 +585,7 @@
           </a:ln>
           <a:extLst>
             <a:ext uri="{909E8E84-426E-40dd-AFC4-6F175D3DCCD1}">
-              <a14:hiddenFill xmlns:a14="http://schemas.microsoft.com/office/drawing/2010/main" xmlns="">
+              <a14:hiddenFill xmlns:a14="http://schemas.microsoft.com/office/drawing/2010/main">
                 <a:solidFill>
                   <a:srgbClr val="FFFFFF"/>
                 </a:solidFill>
@@ -770,7 +770,7 @@
               <a:pPr>
                 <a:defRPr/>
               </a:pPr>
-              <a:t>‹N°›</a:t>
+              <a:t>‹#›</a:t>
             </a:fld>
             <a:endParaRPr lang="en-US"/>
           </a:p>
@@ -1124,8 +1124,8 @@
               <a:t>-soit le retour d’une </a:t>
             </a:r>
             <a:r>
-              <a:rPr lang="fr-FR" baseline="0" dirty="0" err="1" smtClean="0"/>
-              <a:t>fontion</a:t>
+              <a:rPr lang="fr-FR" baseline="0" dirty="0" smtClean="0"/>
+              <a:t>fonction</a:t>
             </a:r>
             <a:endParaRPr lang="fr-FR" baseline="0" dirty="0" smtClean="0"/>
           </a:p>
@@ -1146,8 +1146,55 @@
           <a:p>
             <a:r>
               <a:rPr lang="fr-FR" baseline="0" dirty="0" smtClean="0"/>
-              <a:t>-soit le résultat d’un opérateur de test booléen</a:t>
-            </a:r>
+              <a:t>-soit le résultat d’un opérateur de test </a:t>
+            </a:r>
+            <a:r>
+              <a:rPr lang="fr-FR" baseline="0" dirty="0" smtClean="0"/>
+              <a:t>booléen</a:t>
+            </a:r>
+          </a:p>
+          <a:p>
+            <a:endParaRPr lang="fr-FR" baseline="0" dirty="0" smtClean="0"/>
+          </a:p>
+          <a:p>
+            <a:r>
+              <a:rPr lang="fr-FR" baseline="0" dirty="0" smtClean="0"/>
+              <a:t>XXX: je ne suis pas d</a:t>
+            </a:r>
+            <a:r>
+              <a:rPr lang="fr-FR" baseline="0" dirty="0" smtClean="0"/>
+              <a:t>’accord avec cette façon de présenter:</a:t>
+            </a:r>
+          </a:p>
+          <a:p>
+            <a:r>
+              <a:rPr lang="fr-FR" dirty="0" smtClean="0"/>
+              <a:t>Le résultat</a:t>
+            </a:r>
+            <a:r>
+              <a:rPr lang="fr-FR" baseline="0" dirty="0" smtClean="0"/>
+              <a:t> d’un test retourne toujours soit </a:t>
+            </a:r>
+            <a:r>
+              <a:rPr lang="fr-FR" baseline="0" dirty="0" err="1" smtClean="0"/>
+              <a:t>True</a:t>
+            </a:r>
+            <a:r>
+              <a:rPr lang="fr-FR" baseline="0" dirty="0" smtClean="0"/>
+              <a:t> soit False</a:t>
+            </a:r>
+          </a:p>
+          <a:p>
+            <a:r>
+              <a:rPr lang="fr-FR" baseline="0" dirty="0" smtClean="0"/>
+              <a:t>Ceci sous-entend que je ne peux faire des tests qu</a:t>
+            </a:r>
+            <a:r>
+              <a:rPr lang="fr-FR" baseline="0" dirty="0" smtClean="0"/>
+              <a:t>’avec une valeur booléenne, alors que ce n’est pas le cas…</a:t>
+            </a:r>
+          </a:p>
+          <a:p>
             <a:endParaRPr lang="fr-FR" dirty="0"/>
           </a:p>
         </p:txBody>
@@ -1245,11 +1292,23 @@
           <a:p>
             <a:r>
               <a:rPr lang="fr-FR" dirty="0" smtClean="0"/>
-              <a:t>note &gt; 12 n’est jamais</a:t>
+              <a:t>note </a:t>
+            </a:r>
+            <a:r>
+              <a:rPr lang="fr-FR" dirty="0" smtClean="0"/>
+              <a:t>&gt; 12 n’est </a:t>
+            </a:r>
+            <a:r>
+              <a:rPr lang="fr-FR" dirty="0" smtClean="0"/>
+              <a:t>jamais</a:t>
             </a:r>
             <a:r>
               <a:rPr lang="fr-FR" baseline="0" dirty="0" smtClean="0"/>
-              <a:t> évalué puisque note &gt; 10 est toujours </a:t>
+              <a:t> </a:t>
+            </a:r>
+            <a:r>
+              <a:rPr lang="fr-FR" baseline="0" dirty="0" smtClean="0"/>
+              <a:t>évalué puisque note &gt; 10 est toujours </a:t>
             </a:r>
             <a:r>
               <a:rPr lang="fr-FR" baseline="0" dirty="0" err="1" smtClean="0"/>
@@ -1257,9 +1316,199 @@
             </a:r>
             <a:r>
               <a:rPr lang="fr-FR" baseline="0" dirty="0" smtClean="0"/>
-              <a:t> si note &gt; 12</a:t>
-            </a:r>
-            <a:endParaRPr lang="fr-FR" dirty="0" smtClean="0"/>
+              <a:t> si note &gt; </a:t>
+            </a:r>
+            <a:r>
+              <a:rPr lang="fr-FR" baseline="0" dirty="0" smtClean="0"/>
+              <a:t>12</a:t>
+            </a:r>
+          </a:p>
+          <a:p>
+            <a:endParaRPr lang="fr-FR" baseline="0" dirty="0" smtClean="0"/>
+          </a:p>
+          <a:p>
+            <a:r>
+              <a:rPr lang="fr-FR" baseline="0" dirty="0" smtClean="0"/>
+              <a:t>XXX: je trouve que pour un tout premier exemple de if (en tous cas cette semaine) cet exemple est </a:t>
+            </a:r>
+            <a:r>
+              <a:rPr lang="fr-FR" baseline="0" dirty="0" err="1" smtClean="0"/>
+              <a:t>confusant</a:t>
+            </a:r>
+            <a:endParaRPr lang="fr-FR" baseline="0" dirty="0" smtClean="0"/>
+          </a:p>
+          <a:p>
+            <a:r>
+              <a:rPr lang="fr-FR" baseline="0" dirty="0" smtClean="0"/>
+              <a:t>Pourquoi ne pas commencer par une </a:t>
+            </a:r>
+            <a:r>
+              <a:rPr lang="fr-FR" baseline="0" dirty="0" err="1" smtClean="0"/>
+              <a:t>premiere</a:t>
+            </a:r>
+            <a:r>
+              <a:rPr lang="fr-FR" baseline="0" dirty="0" smtClean="0"/>
+              <a:t> version </a:t>
+            </a:r>
+            <a:r>
+              <a:rPr lang="fr-FR" baseline="0" dirty="0" smtClean="0"/>
+              <a:t>‘clean’, genre</a:t>
+            </a:r>
+          </a:p>
+          <a:p>
+            <a:r>
+              <a:rPr lang="fr-FR" baseline="0" dirty="0" smtClean="0"/>
+              <a:t>If note &gt;12: …</a:t>
+            </a:r>
+          </a:p>
+          <a:p>
+            <a:r>
+              <a:rPr lang="fr-FR" baseline="0" dirty="0" err="1" smtClean="0"/>
+              <a:t>elif</a:t>
+            </a:r>
+            <a:r>
+              <a:rPr lang="fr-FR" baseline="0" dirty="0" smtClean="0"/>
+              <a:t> note &gt;10: …</a:t>
+            </a:r>
+          </a:p>
+          <a:p>
+            <a:r>
+              <a:rPr lang="fr-FR" baseline="0" dirty="0" err="1" smtClean="0"/>
+              <a:t>else</a:t>
+            </a:r>
+            <a:r>
+              <a:rPr lang="fr-FR" baseline="0" dirty="0" smtClean="0"/>
+              <a:t>: …</a:t>
+            </a:r>
+          </a:p>
+          <a:p>
+            <a:endParaRPr lang="fr-FR" baseline="0" dirty="0" smtClean="0"/>
+          </a:p>
+          <a:p>
+            <a:r>
+              <a:rPr lang="fr-FR" baseline="0" dirty="0" smtClean="0"/>
+              <a:t>Je crois qu’on pourrait de cette </a:t>
+            </a:r>
+            <a:r>
+              <a:rPr lang="fr-FR" baseline="0" dirty="0" err="1" smtClean="0"/>
+              <a:t>facon</a:t>
+            </a:r>
+            <a:r>
+              <a:rPr lang="fr-FR" baseline="0" dirty="0" smtClean="0"/>
+              <a:t> faire l’</a:t>
+            </a:r>
+            <a:r>
+              <a:rPr lang="fr-FR" baseline="0" dirty="0" err="1" smtClean="0"/>
+              <a:t>economie</a:t>
+            </a:r>
+            <a:r>
+              <a:rPr lang="fr-FR" baseline="0" dirty="0" smtClean="0"/>
+              <a:t> des 3 versions du programme, qui IMHO are more </a:t>
+            </a:r>
+            <a:r>
+              <a:rPr lang="fr-FR" baseline="0" dirty="0" err="1" smtClean="0"/>
+              <a:t>confusing</a:t>
+            </a:r>
+            <a:r>
+              <a:rPr lang="fr-FR" baseline="0" dirty="0" smtClean="0"/>
+              <a:t> </a:t>
+            </a:r>
+            <a:r>
+              <a:rPr lang="fr-FR" baseline="0" dirty="0" err="1" smtClean="0"/>
+              <a:t>than</a:t>
+            </a:r>
+            <a:r>
+              <a:rPr lang="fr-FR" baseline="0" dirty="0" smtClean="0"/>
+              <a:t> </a:t>
+            </a:r>
+            <a:r>
+              <a:rPr lang="fr-FR" baseline="0" smtClean="0"/>
+              <a:t>helpful</a:t>
+            </a:r>
+            <a:endParaRPr lang="fr-FR" baseline="0" dirty="0" smtClean="0"/>
+          </a:p>
+          <a:p>
+            <a:endParaRPr lang="fr-FR" baseline="0" dirty="0" smtClean="0"/>
+          </a:p>
+          <a:p>
+            <a:r>
+              <a:rPr lang="fr-FR" baseline="0" dirty="0" smtClean="0"/>
+              <a:t>Et ensuite seulement regarder des variantes comme celle-ci … </a:t>
+            </a:r>
+          </a:p>
+          <a:p>
+            <a:endParaRPr lang="fr-FR" baseline="0" dirty="0" smtClean="0"/>
+          </a:p>
+          <a:p>
+            <a:r>
+              <a:rPr lang="fr-FR" baseline="0" dirty="0" smtClean="0"/>
+              <a:t>XXX et par contre il faudrait un exemple avec un test sur un objet vide, ce serait plus clair </a:t>
+            </a:r>
+          </a:p>
+          <a:p>
+            <a:r>
+              <a:rPr lang="fr-FR" baseline="0" dirty="0" err="1" smtClean="0"/>
+              <a:t>reponse</a:t>
+            </a:r>
+            <a:r>
+              <a:rPr lang="fr-FR" baseline="0" dirty="0" smtClean="0"/>
+              <a:t> = ‘’</a:t>
+            </a:r>
+          </a:p>
+          <a:p>
+            <a:r>
+              <a:rPr lang="fr-FR" baseline="0" dirty="0" smtClean="0"/>
+              <a:t>If </a:t>
+            </a:r>
+            <a:r>
+              <a:rPr lang="fr-FR" baseline="0" dirty="0" err="1" smtClean="0"/>
+              <a:t>reponse</a:t>
+            </a:r>
+            <a:r>
+              <a:rPr lang="fr-FR" baseline="0" dirty="0" smtClean="0"/>
+              <a:t>:</a:t>
+            </a:r>
+          </a:p>
+          <a:p>
+            <a:r>
+              <a:rPr lang="fr-FR" baseline="0" dirty="0" smtClean="0"/>
+              <a:t>   </a:t>
+            </a:r>
+            <a:r>
+              <a:rPr lang="fr-FR" baseline="0" dirty="0" err="1" smtClean="0"/>
+              <a:t>print</a:t>
+            </a:r>
+            <a:r>
+              <a:rPr lang="fr-FR" baseline="0" dirty="0" smtClean="0"/>
+              <a:t> ‘on ne passe pas par ici’ </a:t>
+            </a:r>
+          </a:p>
+          <a:p>
+            <a:r>
+              <a:rPr lang="fr-FR" baseline="0" dirty="0" err="1" smtClean="0"/>
+              <a:t>else</a:t>
+            </a:r>
+            <a:r>
+              <a:rPr lang="fr-FR" baseline="0" dirty="0" smtClean="0"/>
+              <a:t>:</a:t>
+            </a:r>
+          </a:p>
+          <a:p>
+            <a:r>
+              <a:rPr lang="fr-FR" baseline="0" dirty="0" smtClean="0"/>
+              <a:t>    </a:t>
+            </a:r>
+            <a:r>
+              <a:rPr lang="fr-FR" baseline="0" dirty="0" err="1" smtClean="0"/>
+              <a:t>print</a:t>
+            </a:r>
+            <a:r>
+              <a:rPr lang="fr-FR" baseline="0" dirty="0" smtClean="0"/>
+              <a:t> ‘mais on passe par la’</a:t>
+            </a:r>
+          </a:p>
+          <a:p>
+            <a:endParaRPr lang="fr-FR" baseline="0" dirty="0" smtClean="0"/>
           </a:p>
         </p:txBody>
       </p:sp>
@@ -1374,7 +1623,15 @@
             </a:r>
             <a:r>
               <a:rPr lang="fr-FR" baseline="0" dirty="0" smtClean="0"/>
-              <a:t> du if note &gt; 10 sont exécuté même si note &gt; 12</a:t>
+              <a:t> du if note &gt; 10 sont </a:t>
+            </a:r>
+            <a:r>
+              <a:rPr lang="fr-FR" baseline="0" dirty="0" smtClean="0"/>
+              <a:t>exécutés </a:t>
+            </a:r>
+            <a:r>
+              <a:rPr lang="fr-FR" baseline="0" dirty="0" smtClean="0"/>
+              <a:t>même si note &gt; 12</a:t>
             </a:r>
             <a:endParaRPr lang="fr-FR" dirty="0" smtClean="0"/>
           </a:p>
@@ -1697,7 +1954,7 @@
   <p:timing>
     <p:tnLst>
       <p:par>
-        <p:cTn id="1" dur="indefinite" restart="never" nodeType="tmRoot"/>
+        <p:cTn xmlns:p14="http://schemas.microsoft.com/office/powerpoint/2010/main" id="1" dur="indefinite" restart="never" nodeType="tmRoot"/>
       </p:par>
     </p:tnLst>
   </p:timing>
@@ -1857,7 +2114,7 @@
               <a:pPr>
                 <a:defRPr/>
               </a:pPr>
-              <a:t>‹N°›</a:t>
+              <a:t>‹#›</a:t>
             </a:fld>
             <a:endParaRPr lang="fr-FR"/>
           </a:p>
@@ -2039,7 +2296,7 @@
               <a:pPr>
                 <a:defRPr/>
               </a:pPr>
-              <a:t>‹N°›</a:t>
+              <a:t>‹#›</a:t>
             </a:fld>
             <a:endParaRPr lang="fr-FR"/>
           </a:p>
@@ -2278,7 +2535,7 @@
               <a:pPr>
                 <a:defRPr/>
               </a:pPr>
-              <a:t>‹N°›</a:t>
+              <a:t>‹#›</a:t>
             </a:fld>
             <a:endParaRPr lang="fr-FR"/>
           </a:p>
@@ -2450,7 +2707,7 @@
               <a:pPr>
                 <a:defRPr/>
               </a:pPr>
-              <a:t>‹N°›</a:t>
+              <a:t>‹#›</a:t>
             </a:fld>
             <a:endParaRPr lang="fr-FR"/>
           </a:p>
@@ -2469,7 +2726,7 @@
   <p:timing>
     <p:tnLst>
       <p:par>
-        <p:cTn id="1" dur="indefinite" restart="never" nodeType="tmRoot"/>
+        <p:cTn xmlns:p14="http://schemas.microsoft.com/office/powerpoint/2010/main" id="1" dur="indefinite" restart="never" nodeType="tmRoot"/>
       </p:par>
     </p:tnLst>
   </p:timing>
@@ -2651,7 +2908,7 @@
               <a:pPr>
                 <a:defRPr/>
               </a:pPr>
-              <a:t>‹N°›</a:t>
+              <a:t>‹#›</a:t>
             </a:fld>
             <a:endParaRPr lang="fr-FR"/>
           </a:p>
@@ -2670,7 +2927,7 @@
   <p:timing>
     <p:tnLst>
       <p:par>
-        <p:cTn id="1" dur="indefinite" restart="never" nodeType="tmRoot"/>
+        <p:cTn xmlns:p14="http://schemas.microsoft.com/office/powerpoint/2010/main" id="1" dur="indefinite" restart="never" nodeType="tmRoot"/>
       </p:par>
     </p:tnLst>
   </p:timing>
@@ -2948,7 +3205,7 @@
               <a:pPr>
                 <a:defRPr/>
               </a:pPr>
-              <a:t>‹N°›</a:t>
+              <a:t>‹#›</a:t>
             </a:fld>
             <a:endParaRPr lang="fr-FR"/>
           </a:p>
@@ -2967,7 +3224,7 @@
   <p:timing>
     <p:tnLst>
       <p:par>
-        <p:cTn id="1" dur="indefinite" restart="never" nodeType="tmRoot"/>
+        <p:cTn xmlns:p14="http://schemas.microsoft.com/office/powerpoint/2010/main" id="1" dur="indefinite" restart="never" nodeType="tmRoot"/>
       </p:par>
     </p:tnLst>
   </p:timing>
@@ -3379,7 +3636,7 @@
               <a:pPr>
                 <a:defRPr/>
               </a:pPr>
-              <a:t>‹N°›</a:t>
+              <a:t>‹#›</a:t>
             </a:fld>
             <a:endParaRPr lang="fr-FR"/>
           </a:p>
@@ -3398,7 +3655,7 @@
   <p:timing>
     <p:tnLst>
       <p:par>
-        <p:cTn id="1" dur="indefinite" restart="never" nodeType="tmRoot"/>
+        <p:cTn xmlns:p14="http://schemas.microsoft.com/office/powerpoint/2010/main" id="1" dur="indefinite" restart="never" nodeType="tmRoot"/>
       </p:par>
     </p:tnLst>
   </p:timing>
@@ -3506,7 +3763,7 @@
               <a:pPr>
                 <a:defRPr/>
               </a:pPr>
-              <a:t>‹N°›</a:t>
+              <a:t>‹#›</a:t>
             </a:fld>
             <a:endParaRPr lang="fr-FR"/>
           </a:p>
@@ -3525,7 +3782,7 @@
   <p:timing>
     <p:tnLst>
       <p:par>
-        <p:cTn id="1" dur="indefinite" restart="never" nodeType="tmRoot"/>
+        <p:cTn xmlns:p14="http://schemas.microsoft.com/office/powerpoint/2010/main" id="1" dur="indefinite" restart="never" nodeType="tmRoot"/>
       </p:par>
     </p:tnLst>
   </p:timing>
@@ -3610,7 +3867,7 @@
               <a:pPr>
                 <a:defRPr/>
               </a:pPr>
-              <a:t>‹N°›</a:t>
+              <a:t>‹#›</a:t>
             </a:fld>
             <a:endParaRPr lang="fr-FR"/>
           </a:p>
@@ -3629,7 +3886,7 @@
   <p:timing>
     <p:tnLst>
       <p:par>
-        <p:cTn id="1" dur="indefinite" restart="never" nodeType="tmRoot"/>
+        <p:cTn xmlns:p14="http://schemas.microsoft.com/office/powerpoint/2010/main" id="1" dur="indefinite" restart="never" nodeType="tmRoot"/>
       </p:par>
     </p:tnLst>
   </p:timing>
@@ -3896,7 +4153,7 @@
               <a:pPr>
                 <a:defRPr/>
               </a:pPr>
-              <a:t>‹N°›</a:t>
+              <a:t>‹#›</a:t>
             </a:fld>
             <a:endParaRPr lang="fr-FR"/>
           </a:p>
@@ -4152,7 +4409,7 @@
               <a:pPr>
                 <a:defRPr/>
               </a:pPr>
-              <a:t>‹N°›</a:t>
+              <a:t>‹#›</a:t>
             </a:fld>
             <a:endParaRPr lang="fr-FR"/>
           </a:p>
@@ -4220,14 +4477,14 @@
           </a:ln>
           <a:extLst>
             <a:ext uri="{909E8E84-426E-40dd-AFC4-6F175D3DCCD1}">
-              <a14:hiddenFill xmlns:a14="http://schemas.microsoft.com/office/drawing/2010/main" xmlns="">
+              <a14:hiddenFill xmlns:a14="http://schemas.microsoft.com/office/drawing/2010/main">
                 <a:solidFill>
                   <a:srgbClr val="FFFFFF"/>
                 </a:solidFill>
               </a14:hiddenFill>
             </a:ext>
             <a:ext uri="{91240B29-F687-4f45-9708-019B960494DF}">
-              <a14:hiddenLine xmlns:a14="http://schemas.microsoft.com/office/drawing/2010/main" xmlns="" w="9525">
+              <a14:hiddenLine xmlns:a14="http://schemas.microsoft.com/office/drawing/2010/main" w="9525">
                 <a:solidFill>
                   <a:srgbClr val="000000"/>
                 </a:solidFill>
@@ -4278,14 +4535,14 @@
           </a:ln>
           <a:extLst>
             <a:ext uri="{909E8E84-426E-40dd-AFC4-6F175D3DCCD1}">
-              <a14:hiddenFill xmlns:a14="http://schemas.microsoft.com/office/drawing/2010/main" xmlns="">
+              <a14:hiddenFill xmlns:a14="http://schemas.microsoft.com/office/drawing/2010/main">
                 <a:solidFill>
                   <a:srgbClr val="FFFFFF"/>
                 </a:solidFill>
               </a14:hiddenFill>
             </a:ext>
             <a:ext uri="{91240B29-F687-4f45-9708-019B960494DF}">
-              <a14:hiddenLine xmlns:a14="http://schemas.microsoft.com/office/drawing/2010/main" xmlns="" w="9525">
+              <a14:hiddenLine xmlns:a14="http://schemas.microsoft.com/office/drawing/2010/main" w="9525">
                 <a:solidFill>
                   <a:srgbClr val="000000"/>
                 </a:solidFill>
@@ -4455,7 +4712,7 @@
               <a:pPr>
                 <a:defRPr/>
               </a:pPr>
-              <a:t>‹N°›</a:t>
+              <a:t>‹#›</a:t>
             </a:fld>
             <a:endParaRPr lang="fr-FR" dirty="0"/>
           </a:p>
@@ -4481,7 +4738,7 @@
   <p:timing>
     <p:tnLst>
       <p:par>
-        <p:cTn id="1" dur="indefinite" restart="never" nodeType="tmRoot"/>
+        <p:cTn xmlns:p14="http://schemas.microsoft.com/office/powerpoint/2010/main" id="1" dur="indefinite" restart="never" nodeType="tmRoot"/>
       </p:par>
     </p:tnLst>
   </p:timing>
@@ -5172,7 +5429,7 @@
   <p:timing>
     <p:tnLst>
       <p:par>
-        <p:cTn id="1" dur="indefinite" restart="never" nodeType="tmRoot">
+        <p:cTn xmlns:p14="http://schemas.microsoft.com/office/powerpoint/2010/main" id="1" dur="indefinite" restart="never" nodeType="tmRoot">
           <p:childTnLst>
             <p:seq concurrent="1" nextAc="seek">
               <p:cTn id="2" dur="indefinite" nodeType="mainSeq">
@@ -5771,7 +6028,15 @@
             </a:r>
             <a:r>
               <a:rPr lang="fr-FR" sz="3200" dirty="0"/>
-              <a:t>objets vide ([], (), {}, set([]), </a:t>
+              <a:t>objets </a:t>
+            </a:r>
+            <a:r>
+              <a:rPr lang="fr-FR" sz="3200" dirty="0" smtClean="0"/>
+              <a:t>vides </a:t>
+            </a:r>
+            <a:r>
+              <a:rPr lang="fr-FR" sz="3200" dirty="0"/>
+              <a:t>([], (), {}, set([]), </a:t>
             </a:r>
             <a:r>
               <a:rPr lang="fr-FR" sz="3200" dirty="0" smtClean="0"/>
@@ -5829,7 +6094,7 @@
   <p:timing>
     <p:tnLst>
       <p:par>
-        <p:cTn id="1" dur="indefinite" restart="never" nodeType="tmRoot">
+        <p:cTn xmlns:p14="http://schemas.microsoft.com/office/powerpoint/2010/main" id="1" dur="indefinite" restart="never" nodeType="tmRoot">
           <p:childTnLst>
             <p:seq concurrent="1" nextAc="seek">
               <p:cTn id="2" dur="indefinite" nodeType="mainSeq">
@@ -6869,7 +7134,7 @@
   <p:timing>
     <p:tnLst>
       <p:par>
-        <p:cTn id="1" dur="indefinite" restart="never" nodeType="tmRoot">
+        <p:cTn xmlns:p14="http://schemas.microsoft.com/office/powerpoint/2010/main" id="1" dur="indefinite" restart="never" nodeType="tmRoot">
           <p:childTnLst>
             <p:seq concurrent="1" nextAc="seek">
               <p:cTn id="2" dur="indefinite" nodeType="mainSeq">
@@ -7804,7 +8069,7 @@
   <p:timing>
     <p:tnLst>
       <p:par>
-        <p:cTn id="1" dur="indefinite" restart="never" nodeType="tmRoot">
+        <p:cTn xmlns:p14="http://schemas.microsoft.com/office/powerpoint/2010/main" id="1" dur="indefinite" restart="never" nodeType="tmRoot">
           <p:childTnLst>
             <p:seq concurrent="1" nextAc="seek">
               <p:cTn id="2" dur="indefinite" nodeType="mainSeq">
@@ -8742,7 +9007,7 @@
   <p:timing>
     <p:tnLst>
       <p:par>
-        <p:cTn id="1" dur="indefinite" restart="never" nodeType="tmRoot">
+        <p:cTn xmlns:p14="http://schemas.microsoft.com/office/powerpoint/2010/main" id="1" dur="indefinite" restart="never" nodeType="tmRoot">
           <p:childTnLst>
             <p:seq concurrent="1" nextAc="seek">
               <p:cTn id="2" dur="indefinite" nodeType="mainSeq">
